--- a/Черниговских 2к 14гр с лишним.pptx
+++ b/Черниговских 2к 14гр с лишним.pptx
@@ -5,7 +5,7 @@
     <p:sldMasterId id="2147483648" r:id="rId1"/>
   </p:sldMasterIdLst>
   <p:notesMasterIdLst>
-    <p:notesMasterId r:id="rId28"/>
+    <p:notesMasterId r:id="rId24"/>
   </p:notesMasterIdLst>
   <p:sldIdLst>
     <p:sldId id="277" r:id="rId2"/>
@@ -16,24 +16,20 @@
     <p:sldId id="261" r:id="rId7"/>
     <p:sldId id="262" r:id="rId8"/>
     <p:sldId id="278" r:id="rId9"/>
-    <p:sldId id="263" r:id="rId10"/>
-    <p:sldId id="265" r:id="rId11"/>
-    <p:sldId id="266" r:id="rId12"/>
-    <p:sldId id="269" r:id="rId13"/>
-    <p:sldId id="279" r:id="rId14"/>
-    <p:sldId id="274" r:id="rId15"/>
-    <p:sldId id="273" r:id="rId16"/>
-    <p:sldId id="275" r:id="rId17"/>
-    <p:sldId id="280" r:id="rId18"/>
-    <p:sldId id="270" r:id="rId19"/>
-    <p:sldId id="282" r:id="rId20"/>
-    <p:sldId id="276" r:id="rId21"/>
-    <p:sldId id="281" r:id="rId22"/>
-    <p:sldId id="272" r:id="rId23"/>
-    <p:sldId id="283" r:id="rId24"/>
-    <p:sldId id="284" r:id="rId25"/>
-    <p:sldId id="268" r:id="rId26"/>
-    <p:sldId id="267" r:id="rId27"/>
+    <p:sldId id="265" r:id="rId10"/>
+    <p:sldId id="266" r:id="rId11"/>
+    <p:sldId id="269" r:id="rId12"/>
+    <p:sldId id="279" r:id="rId13"/>
+    <p:sldId id="280" r:id="rId14"/>
+    <p:sldId id="270" r:id="rId15"/>
+    <p:sldId id="282" r:id="rId16"/>
+    <p:sldId id="276" r:id="rId17"/>
+    <p:sldId id="281" r:id="rId18"/>
+    <p:sldId id="272" r:id="rId19"/>
+    <p:sldId id="283" r:id="rId20"/>
+    <p:sldId id="284" r:id="rId21"/>
+    <p:sldId id="268" r:id="rId22"/>
+    <p:sldId id="267" r:id="rId23"/>
   </p:sldIdLst>
   <p:sldSz cx="12192000" cy="6858000"/>
   <p:notesSz cx="6735763" cy="9856788"/>
@@ -134,7 +130,7 @@
   </p:defaultTextStyle>
   <p:extLst>
     <p:ext uri="{EFAFB233-063F-42B5-8137-9DF3F51BA10A}">
-      <p15:sldGuideLst xmlns="" xmlns:p15="http://schemas.microsoft.com/office/powerpoint/2012/main">
+      <p15:sldGuideLst xmlns:p15="http://schemas.microsoft.com/office/powerpoint/2012/main" xmlns="">
         <p15:guide id="1" orient="horz" pos="2160">
           <p15:clr>
             <a:srgbClr val="A4A3A4"/>
@@ -233,7 +229,7 @@
           <a:p>
             <a:fld id="{2946843A-35D9-4BF0-8BAE-64F1E98BC786}" type="datetimeFigureOut">
               <a:rPr lang="ru-RU" smtClean="0"/>
-              <a:t>14.06.2019</a:t>
+              <a:t>17.06.2019</a:t>
             </a:fld>
             <a:endParaRPr lang="ru-RU"/>
           </a:p>
@@ -659,90 +655,6 @@
     </p:spTree>
     <p:extLst>
       <p:ext uri="{BB962C8B-B14F-4D97-AF65-F5344CB8AC3E}">
-        <p14:creationId xmlns:p14="http://schemas.microsoft.com/office/powerpoint/2010/main" val="86048327"/>
-      </p:ext>
-    </p:extLst>
-  </p:cSld>
-  <p:clrMapOvr>
-    <a:masterClrMapping/>
-  </p:clrMapOvr>
-</p:notes>
-</file>
-
-<file path=ppt/notesSlides/notesSlide3.xml><?xml version="1.0" encoding="utf-8"?>
-<p:notes xmlns:a="http://schemas.openxmlformats.org/drawingml/2006/main" xmlns:r="http://schemas.openxmlformats.org/officeDocument/2006/relationships" xmlns:p="http://schemas.openxmlformats.org/presentationml/2006/main">
-  <p:cSld>
-    <p:spTree>
-      <p:nvGrpSpPr>
-        <p:cNvPr id="1" name=""/>
-        <p:cNvGrpSpPr/>
-        <p:nvPr/>
-      </p:nvGrpSpPr>
-      <p:grpSpPr>
-        <a:xfrm>
-          <a:off x="0" y="0"/>
-          <a:ext cx="0" cy="0"/>
-          <a:chOff x="0" y="0"/>
-          <a:chExt cx="0" cy="0"/>
-        </a:xfrm>
-      </p:grpSpPr>
-      <p:sp>
-        <p:nvSpPr>
-          <p:cNvPr id="2" name="Образ слайда 1"/>
-          <p:cNvSpPr>
-            <a:spLocks noGrp="1" noRot="1" noChangeAspect="1"/>
-          </p:cNvSpPr>
-          <p:nvPr>
-            <p:ph type="sldImg"/>
-          </p:nvPr>
-        </p:nvSpPr>
-        <p:spPr/>
-      </p:sp>
-      <p:sp>
-        <p:nvSpPr>
-          <p:cNvPr id="3" name="Заметки 2"/>
-          <p:cNvSpPr>
-            <a:spLocks noGrp="1"/>
-          </p:cNvSpPr>
-          <p:nvPr>
-            <p:ph type="body" idx="1"/>
-          </p:nvPr>
-        </p:nvSpPr>
-        <p:spPr/>
-        <p:txBody>
-          <a:bodyPr/>
-          <a:lstStyle/>
-          <a:p>
-            <a:endParaRPr lang="ru-RU"/>
-          </a:p>
-        </p:txBody>
-      </p:sp>
-      <p:sp>
-        <p:nvSpPr>
-          <p:cNvPr id="4" name="Номер слайда 3"/>
-          <p:cNvSpPr>
-            <a:spLocks noGrp="1"/>
-          </p:cNvSpPr>
-          <p:nvPr>
-            <p:ph type="sldNum" sz="quarter" idx="10"/>
-          </p:nvPr>
-        </p:nvSpPr>
-        <p:spPr/>
-        <p:txBody>
-          <a:bodyPr/>
-          <a:lstStyle/>
-          <a:p>
-            <a:fld id="{F15EF2D2-24D0-4238-9C0D-C81CCD232C53}" type="slidenum">
-              <a:rPr lang="ru-RU" smtClean="0"/>
-              <a:t>10</a:t>
-            </a:fld>
-            <a:endParaRPr lang="ru-RU"/>
-          </a:p>
-        </p:txBody>
-      </p:sp>
-    </p:spTree>
-    <p:extLst>
-      <p:ext uri="{BB962C8B-B14F-4D97-AF65-F5344CB8AC3E}">
         <p14:creationId xmlns:p14="http://schemas.microsoft.com/office/powerpoint/2010/main" val="2793172418"/>
       </p:ext>
     </p:extLst>
@@ -884,7 +796,7 @@
           <a:p>
             <a:fld id="{BCA46830-E682-405C-8364-0C9541E639DF}" type="datetime1">
               <a:rPr lang="ru-RU" smtClean="0"/>
-              <a:t>14.06.2019</a:t>
+              <a:t>17.06.2019</a:t>
             </a:fld>
             <a:endParaRPr lang="ru-RU"/>
           </a:p>
@@ -1054,7 +966,7 @@
           <a:p>
             <a:fld id="{3E44BB8C-CB05-479D-8CEA-872765ADD396}" type="datetime1">
               <a:rPr lang="ru-RU" smtClean="0"/>
-              <a:t>14.06.2019</a:t>
+              <a:t>17.06.2019</a:t>
             </a:fld>
             <a:endParaRPr lang="ru-RU"/>
           </a:p>
@@ -1234,7 +1146,7 @@
           <a:p>
             <a:fld id="{B4E89E9D-2A67-4B46-84B4-9A88CD3E91F3}" type="datetime1">
               <a:rPr lang="ru-RU" smtClean="0"/>
-              <a:t>14.06.2019</a:t>
+              <a:t>17.06.2019</a:t>
             </a:fld>
             <a:endParaRPr lang="ru-RU"/>
           </a:p>
@@ -1404,7 +1316,7 @@
           <a:p>
             <a:fld id="{E3505345-DD1D-40F9-B05D-80736C9A64BE}" type="datetime1">
               <a:rPr lang="ru-RU" smtClean="0"/>
-              <a:t>14.06.2019</a:t>
+              <a:t>17.06.2019</a:t>
             </a:fld>
             <a:endParaRPr lang="ru-RU"/>
           </a:p>
@@ -1650,7 +1562,7 @@
           <a:p>
             <a:fld id="{59EE47BA-54A9-4DFA-A58A-0556F2F6BBF3}" type="datetime1">
               <a:rPr lang="ru-RU" smtClean="0"/>
-              <a:t>14.06.2019</a:t>
+              <a:t>17.06.2019</a:t>
             </a:fld>
             <a:endParaRPr lang="ru-RU"/>
           </a:p>
@@ -1882,7 +1794,7 @@
           <a:p>
             <a:fld id="{976D76BB-ADA0-4F80-9D28-2566A92BA848}" type="datetime1">
               <a:rPr lang="ru-RU" smtClean="0"/>
-              <a:t>14.06.2019</a:t>
+              <a:t>17.06.2019</a:t>
             </a:fld>
             <a:endParaRPr lang="ru-RU"/>
           </a:p>
@@ -2249,7 +2161,7 @@
           <a:p>
             <a:fld id="{95DE2552-BD6E-4AD4-BAD1-EC0578C01B0B}" type="datetime1">
               <a:rPr lang="ru-RU" smtClean="0"/>
-              <a:t>14.06.2019</a:t>
+              <a:t>17.06.2019</a:t>
             </a:fld>
             <a:endParaRPr lang="ru-RU"/>
           </a:p>
@@ -2367,7 +2279,7 @@
           <a:p>
             <a:fld id="{02E396A1-89C2-4BBE-AB5B-B0CB8942B161}" type="datetime1">
               <a:rPr lang="ru-RU" smtClean="0"/>
-              <a:t>14.06.2019</a:t>
+              <a:t>17.06.2019</a:t>
             </a:fld>
             <a:endParaRPr lang="ru-RU"/>
           </a:p>
@@ -2462,7 +2374,7 @@
           <a:p>
             <a:fld id="{956BDFD6-CB9C-4C9A-9A46-77F5F3732A82}" type="datetime1">
               <a:rPr lang="ru-RU" smtClean="0"/>
-              <a:t>14.06.2019</a:t>
+              <a:t>17.06.2019</a:t>
             </a:fld>
             <a:endParaRPr lang="ru-RU"/>
           </a:p>
@@ -2739,7 +2651,7 @@
           <a:p>
             <a:fld id="{7EEFFDAA-0F05-4D26-AB82-65ABB6376715}" type="datetime1">
               <a:rPr lang="ru-RU" smtClean="0"/>
-              <a:t>14.06.2019</a:t>
+              <a:t>17.06.2019</a:t>
             </a:fld>
             <a:endParaRPr lang="ru-RU"/>
           </a:p>
@@ -2992,7 +2904,7 @@
           <a:p>
             <a:fld id="{058A3315-5A26-493E-90F4-99CDED3D5A99}" type="datetime1">
               <a:rPr lang="ru-RU" smtClean="0"/>
-              <a:t>14.06.2019</a:t>
+              <a:t>17.06.2019</a:t>
             </a:fld>
             <a:endParaRPr lang="ru-RU"/>
           </a:p>
@@ -3205,7 +3117,7 @@
           <a:p>
             <a:fld id="{14311CDF-AC48-44CB-A4FA-2A9648FE0477}" type="datetime1">
               <a:rPr lang="ru-RU" smtClean="0"/>
-              <a:t>14.06.2019</a:t>
+              <a:t>17.06.2019</a:t>
             </a:fld>
             <a:endParaRPr lang="ru-RU"/>
           </a:p>
@@ -3913,8 +3825,8 @@
         </p:nvSpPr>
         <p:spPr>
           <a:xfrm>
-            <a:off x="838199" y="0"/>
-            <a:ext cx="10515600" cy="1325563"/>
+            <a:off x="838200" y="452968"/>
+            <a:ext cx="10515600" cy="907192"/>
           </a:xfrm>
         </p:spPr>
         <p:txBody>
@@ -3925,331 +3837,310 @@
           <a:p>
             <a:pPr algn="ctr"/>
             <a:r>
+              <a:rPr lang="ru-RU" sz="4000" dirty="0">
+                <a:latin typeface="Arial" panose="020B0604020202020204" pitchFamily="34" charset="0"/>
+                <a:cs typeface="Arial" panose="020B0604020202020204" pitchFamily="34" charset="0"/>
+              </a:rPr>
+              <a:t>Требования к </a:t>
+            </a:r>
+            <a:r>
               <a:rPr lang="ru-RU" sz="4000" dirty="0" smtClean="0">
                 <a:latin typeface="Arial" panose="020B0604020202020204" pitchFamily="34" charset="0"/>
                 <a:cs typeface="Arial" panose="020B0604020202020204" pitchFamily="34" charset="0"/>
               </a:rPr>
-              <a:t>Средства реализации</a:t>
-            </a:r>
-            <a:endParaRPr lang="ru-RU" sz="4000" dirty="0">
+              <a:t>программному </a:t>
+            </a:r>
+            <a:br>
+              <a:rPr lang="ru-RU" sz="4000" dirty="0" smtClean="0">
+                <a:latin typeface="Arial" panose="020B0604020202020204" pitchFamily="34" charset="0"/>
+                <a:cs typeface="Arial" panose="020B0604020202020204" pitchFamily="34" charset="0"/>
+              </a:rPr>
+            </a:br>
+            <a:r>
+              <a:rPr lang="ru-RU" sz="4000" dirty="0" smtClean="0">
+                <a:latin typeface="Arial" panose="020B0604020202020204" pitchFamily="34" charset="0"/>
+                <a:cs typeface="Arial" panose="020B0604020202020204" pitchFamily="34" charset="0"/>
+              </a:rPr>
+              <a:t>и </a:t>
+            </a:r>
+            <a:r>
+              <a:rPr lang="ru-RU" sz="4000" dirty="0">
+                <a:latin typeface="Arial" panose="020B0604020202020204" pitchFamily="34" charset="0"/>
+                <a:cs typeface="Arial" panose="020B0604020202020204" pitchFamily="34" charset="0"/>
+              </a:rPr>
+              <a:t>аппаратному обеспечению</a:t>
+            </a:r>
+          </a:p>
+        </p:txBody>
+      </p:sp>
+      <p:sp>
+        <p:nvSpPr>
+          <p:cNvPr id="7" name="TextBox 6"/>
+          <p:cNvSpPr txBox="1"/>
+          <p:nvPr/>
+        </p:nvSpPr>
+        <p:spPr>
+          <a:xfrm>
+            <a:off x="778933" y="1717930"/>
+            <a:ext cx="11243528" cy="4431983"/>
+          </a:xfrm>
+          <a:prstGeom prst="rect">
+            <a:avLst/>
+          </a:prstGeom>
+          <a:noFill/>
+        </p:spPr>
+        <p:txBody>
+          <a:bodyPr wrap="square" rtlCol="0">
+            <a:spAutoFit/>
+          </a:bodyPr>
+          <a:lstStyle/>
+          <a:p>
+            <a:pPr indent="628650" algn="just">
+              <a:lnSpc>
+                <a:spcPct val="150000"/>
+              </a:lnSpc>
+            </a:pPr>
+            <a:r>
+              <a:rPr lang="ru-RU" sz="2600" b="1" dirty="0" smtClean="0">
+                <a:latin typeface="Arial" panose="020B0604020202020204" pitchFamily="34" charset="0"/>
+                <a:cs typeface="Arial" panose="020B0604020202020204" pitchFamily="34" charset="0"/>
+              </a:rPr>
+              <a:t>Необходимое программное обеспечение:</a:t>
+            </a:r>
+            <a:r>
+              <a:rPr lang="ru-RU" sz="2400" b="1" dirty="0" smtClean="0">
+                <a:latin typeface="Arial" panose="020B0604020202020204" pitchFamily="34" charset="0"/>
+                <a:cs typeface="Arial" panose="020B0604020202020204" pitchFamily="34" charset="0"/>
+              </a:rPr>
+              <a:t> </a:t>
+            </a:r>
+            <a:endParaRPr lang="ru-RU" sz="2400" b="1" dirty="0">
               <a:latin typeface="Arial" panose="020B0604020202020204" pitchFamily="34" charset="0"/>
               <a:cs typeface="Arial" panose="020B0604020202020204" pitchFamily="34" charset="0"/>
             </a:endParaRPr>
           </a:p>
-        </p:txBody>
-      </p:sp>
-      <p:sp>
-        <p:nvSpPr>
-          <p:cNvPr id="3" name="Объект 2"/>
-          <p:cNvSpPr>
-            <a:spLocks noGrp="1"/>
-          </p:cNvSpPr>
-          <p:nvPr>
-            <p:ph idx="1"/>
-          </p:nvPr>
-        </p:nvSpPr>
-        <p:spPr>
-          <a:xfrm>
-            <a:off x="671511" y="1325563"/>
-            <a:ext cx="10848975" cy="4629150"/>
-          </a:xfrm>
-        </p:spPr>
-        <p:txBody>
-          <a:bodyPr>
-            <a:noAutofit/>
-          </a:bodyPr>
-          <a:lstStyle/>
-          <a:p>
-            <a:pPr marL="628650" indent="263525">
+          <a:p>
+            <a:pPr marL="900113" indent="-271463" defTabSz="900113">
               <a:lnSpc>
                 <a:spcPct val="150000"/>
               </a:lnSpc>
               <a:spcBef>
                 <a:spcPts val="0"/>
               </a:spcBef>
+              <a:buFont typeface="Arial" panose="020B0604020202020204" pitchFamily="34" charset="0"/>
+              <a:buChar char="•"/>
+              <a:tabLst>
+                <a:tab pos="357188" algn="l"/>
+                <a:tab pos="900113" algn="l"/>
+              </a:tabLst>
             </a:pPr>
             <a:r>
-              <a:rPr lang="ru-RU" dirty="0" smtClean="0">
-                <a:latin typeface="Arial" panose="020B0604020202020204" pitchFamily="34" charset="0"/>
-                <a:cs typeface="Arial" panose="020B0604020202020204" pitchFamily="34" charset="0"/>
-              </a:rPr>
-              <a:t>ОС </a:t>
-            </a:r>
-            <a:r>
-              <a:rPr lang="en-US" dirty="0">
-                <a:latin typeface="Arial" panose="020B0604020202020204" pitchFamily="34" charset="0"/>
-                <a:cs typeface="Arial" panose="020B0604020202020204" pitchFamily="34" charset="0"/>
-              </a:rPr>
-              <a:t>Windows 10 Pro;</a:t>
-            </a:r>
-          </a:p>
-          <a:p>
-            <a:pPr marL="628650" indent="263525">
+              <a:rPr lang="en-US" sz="2400" dirty="0" smtClean="0">
+                <a:latin typeface="Arial" panose="020B0604020202020204" pitchFamily="34" charset="0"/>
+                <a:cs typeface="Arial" panose="020B0604020202020204" pitchFamily="34" charset="0"/>
+              </a:rPr>
+              <a:t>Windows 7+ / Linux / </a:t>
+            </a:r>
+            <a:r>
+              <a:rPr lang="en-US" sz="2400" dirty="0" err="1" smtClean="0">
+                <a:latin typeface="Arial" panose="020B0604020202020204" pitchFamily="34" charset="0"/>
+                <a:cs typeface="Arial" panose="020B0604020202020204" pitchFamily="34" charset="0"/>
+              </a:rPr>
+              <a:t>macOS</a:t>
+            </a:r>
+            <a:r>
+              <a:rPr lang="en-US" sz="2400" dirty="0" smtClean="0">
+                <a:latin typeface="Arial" panose="020B0604020202020204" pitchFamily="34" charset="0"/>
+                <a:cs typeface="Arial" panose="020B0604020202020204" pitchFamily="34" charset="0"/>
+              </a:rPr>
+              <a:t>;</a:t>
+            </a:r>
+            <a:endParaRPr lang="ru-RU" sz="2400" dirty="0" smtClean="0">
+              <a:latin typeface="Arial" panose="020B0604020202020204" pitchFamily="34" charset="0"/>
+              <a:cs typeface="Arial" panose="020B0604020202020204" pitchFamily="34" charset="0"/>
+            </a:endParaRPr>
+          </a:p>
+          <a:p>
+            <a:pPr marL="900113" indent="-271463" defTabSz="900113">
               <a:lnSpc>
                 <a:spcPct val="150000"/>
               </a:lnSpc>
               <a:spcBef>
                 <a:spcPts val="0"/>
               </a:spcBef>
+              <a:buFont typeface="Arial" panose="020B0604020202020204" pitchFamily="34" charset="0"/>
+              <a:buChar char="•"/>
+              <a:tabLst>
+                <a:tab pos="357188" algn="l"/>
+                <a:tab pos="900113" algn="l"/>
+              </a:tabLst>
             </a:pPr>
             <a:r>
-              <a:rPr lang="ru-RU" dirty="0" smtClean="0">
-                <a:latin typeface="Arial" panose="020B0604020202020204" pitchFamily="34" charset="0"/>
-                <a:cs typeface="Arial" panose="020B0604020202020204" pitchFamily="34" charset="0"/>
-              </a:rPr>
-              <a:t>универсальная </a:t>
-            </a:r>
-            <a:r>
-              <a:rPr lang="ru-RU" dirty="0">
-                <a:latin typeface="Arial" panose="020B0604020202020204" pitchFamily="34" charset="0"/>
-                <a:cs typeface="Arial" panose="020B0604020202020204" pitchFamily="34" charset="0"/>
-              </a:rPr>
-              <a:t>платформа разработки .</a:t>
-            </a:r>
-            <a:r>
-              <a:rPr lang="en-US" dirty="0">
-                <a:latin typeface="Arial" panose="020B0604020202020204" pitchFamily="34" charset="0"/>
-                <a:cs typeface="Arial" panose="020B0604020202020204" pitchFamily="34" charset="0"/>
-              </a:rPr>
-              <a:t>Net Core SDK 2.2;</a:t>
-            </a:r>
-          </a:p>
-          <a:p>
-            <a:pPr marL="628650" indent="263525">
+              <a:rPr lang="en-US" sz="2400" dirty="0" err="1" smtClean="0">
+                <a:latin typeface="Arial" panose="020B0604020202020204" pitchFamily="34" charset="0"/>
+                <a:cs typeface="Arial" panose="020B0604020202020204" pitchFamily="34" charset="0"/>
+              </a:rPr>
+              <a:t>.Net</a:t>
+            </a:r>
+            <a:r>
+              <a:rPr lang="en-US" sz="2400" dirty="0" smtClean="0">
+                <a:latin typeface="Arial" panose="020B0604020202020204" pitchFamily="34" charset="0"/>
+                <a:cs typeface="Arial" panose="020B0604020202020204" pitchFamily="34" charset="0"/>
+              </a:rPr>
+              <a:t> Core SDK 2.1+</a:t>
+            </a:r>
+            <a:r>
+              <a:rPr lang="en-US" sz="2400" dirty="0">
+                <a:latin typeface="Arial" panose="020B0604020202020204" pitchFamily="34" charset="0"/>
+                <a:cs typeface="Arial" panose="020B0604020202020204" pitchFamily="34" charset="0"/>
+              </a:rPr>
+              <a:t>.</a:t>
+            </a:r>
+            <a:endParaRPr lang="ru-RU" sz="2400" dirty="0" smtClean="0">
+              <a:latin typeface="Arial" panose="020B0604020202020204" pitchFamily="34" charset="0"/>
+              <a:cs typeface="Arial" panose="020B0604020202020204" pitchFamily="34" charset="0"/>
+            </a:endParaRPr>
+          </a:p>
+          <a:p>
+            <a:pPr marL="628650" defTabSz="900113">
               <a:lnSpc>
                 <a:spcPct val="150000"/>
               </a:lnSpc>
               <a:spcBef>
                 <a:spcPts val="0"/>
               </a:spcBef>
+              <a:tabLst>
+                <a:tab pos="357188" algn="l"/>
+                <a:tab pos="900113" algn="l"/>
+              </a:tabLst>
             </a:pPr>
             <a:r>
-              <a:rPr lang="ru-RU" dirty="0" smtClean="0">
-                <a:latin typeface="Arial" panose="020B0604020202020204" pitchFamily="34" charset="0"/>
-                <a:cs typeface="Arial" panose="020B0604020202020204" pitchFamily="34" charset="0"/>
-              </a:rPr>
-              <a:t>пакет </a:t>
-            </a:r>
-            <a:r>
-              <a:rPr lang="ru-RU" dirty="0">
-                <a:latin typeface="Arial" panose="020B0604020202020204" pitchFamily="34" charset="0"/>
-                <a:cs typeface="Arial" panose="020B0604020202020204" pitchFamily="34" charset="0"/>
-              </a:rPr>
-              <a:t>разработки </a:t>
-            </a:r>
-            <a:r>
-              <a:rPr lang="en-US" dirty="0">
-                <a:latin typeface="Arial" panose="020B0604020202020204" pitchFamily="34" charset="0"/>
-                <a:cs typeface="Arial" panose="020B0604020202020204" pitchFamily="34" charset="0"/>
-              </a:rPr>
-              <a:t>Microsoft Quantum Development Kit 0.6;</a:t>
-            </a:r>
-          </a:p>
-          <a:p>
-            <a:pPr marL="628650" indent="263525">
+              <a:rPr lang="en-US" sz="2400" b="1" dirty="0" smtClean="0">
+                <a:latin typeface="Arial" panose="020B0604020202020204" pitchFamily="34" charset="0"/>
+                <a:cs typeface="Arial" panose="020B0604020202020204" pitchFamily="34" charset="0"/>
+              </a:rPr>
+              <a:t>IDE </a:t>
+            </a:r>
+            <a:r>
+              <a:rPr lang="ru-RU" sz="2400" b="1" dirty="0" smtClean="0">
+                <a:latin typeface="Arial" panose="020B0604020202020204" pitchFamily="34" charset="0"/>
+                <a:cs typeface="Arial" panose="020B0604020202020204" pitchFamily="34" charset="0"/>
+              </a:rPr>
+              <a:t>для упрощения работы с приложением:</a:t>
+            </a:r>
+          </a:p>
+          <a:p>
+            <a:pPr marL="628650" defTabSz="900113">
               <a:lnSpc>
                 <a:spcPct val="150000"/>
               </a:lnSpc>
               <a:spcBef>
                 <a:spcPts val="0"/>
               </a:spcBef>
+              <a:tabLst>
+                <a:tab pos="357188" algn="l"/>
+                <a:tab pos="900113" algn="l"/>
+              </a:tabLst>
             </a:pPr>
             <a:r>
-              <a:rPr lang="ru-RU" dirty="0" smtClean="0">
-                <a:latin typeface="Arial" panose="020B0604020202020204" pitchFamily="34" charset="0"/>
-                <a:cs typeface="Arial" panose="020B0604020202020204" pitchFamily="34" charset="0"/>
-              </a:rPr>
-              <a:t>редактор </a:t>
-            </a:r>
-            <a:r>
-              <a:rPr lang="ru-RU" dirty="0">
-                <a:latin typeface="Arial" panose="020B0604020202020204" pitchFamily="34" charset="0"/>
-                <a:cs typeface="Arial" panose="020B0604020202020204" pitchFamily="34" charset="0"/>
-              </a:rPr>
-              <a:t>исходного кода </a:t>
-            </a:r>
-            <a:r>
-              <a:rPr lang="en-US" dirty="0">
-                <a:latin typeface="Arial" panose="020B0604020202020204" pitchFamily="34" charset="0"/>
-                <a:cs typeface="Arial" panose="020B0604020202020204" pitchFamily="34" charset="0"/>
-              </a:rPr>
-              <a:t>Visual Studio Code 1.33;</a:t>
-            </a:r>
-          </a:p>
-          <a:p>
-            <a:pPr marL="628650" indent="263525">
+              <a:rPr lang="en-US" sz="2400" dirty="0" smtClean="0">
+                <a:latin typeface="Arial" panose="020B0604020202020204" pitchFamily="34" charset="0"/>
+                <a:cs typeface="Arial" panose="020B0604020202020204" pitchFamily="34" charset="0"/>
+              </a:rPr>
+              <a:t>Visual Studio 2017 / Visual Studio for Mac / Visual Studio Code.</a:t>
+            </a:r>
+            <a:endParaRPr lang="ru-RU" sz="2400" dirty="0" smtClean="0">
+              <a:latin typeface="Arial" panose="020B0604020202020204" pitchFamily="34" charset="0"/>
+              <a:cs typeface="Arial" panose="020B0604020202020204" pitchFamily="34" charset="0"/>
+            </a:endParaRPr>
+          </a:p>
+          <a:p>
+            <a:pPr indent="628650">
               <a:lnSpc>
                 <a:spcPct val="150000"/>
               </a:lnSpc>
-              <a:spcBef>
-                <a:spcPts val="0"/>
-              </a:spcBef>
             </a:pPr>
             <a:r>
-              <a:rPr lang="ru-RU" dirty="0" smtClean="0">
-                <a:latin typeface="Arial" panose="020B0604020202020204" pitchFamily="34" charset="0"/>
-                <a:cs typeface="Arial" panose="020B0604020202020204" pitchFamily="34" charset="0"/>
-              </a:rPr>
-              <a:t>язык </a:t>
-            </a:r>
-            <a:r>
-              <a:rPr lang="en-US" dirty="0">
-                <a:latin typeface="Arial" panose="020B0604020202020204" pitchFamily="34" charset="0"/>
-                <a:cs typeface="Arial" panose="020B0604020202020204" pitchFamily="34" charset="0"/>
-              </a:rPr>
-              <a:t>C# 7.0;</a:t>
-            </a:r>
-          </a:p>
-          <a:p>
-            <a:pPr marL="628650" indent="263525">
+              <a:rPr lang="ru-RU" sz="2400" b="1" dirty="0" smtClean="0">
+                <a:latin typeface="Arial" panose="020B0604020202020204" pitchFamily="34" charset="0"/>
+                <a:cs typeface="Arial" panose="020B0604020202020204" pitchFamily="34" charset="0"/>
+              </a:rPr>
+              <a:t>Минимальные </a:t>
+            </a:r>
+            <a:r>
+              <a:rPr lang="ru-RU" sz="2400" b="1" dirty="0">
+                <a:latin typeface="Arial" panose="020B0604020202020204" pitchFamily="34" charset="0"/>
+                <a:cs typeface="Arial" panose="020B0604020202020204" pitchFamily="34" charset="0"/>
+              </a:rPr>
+              <a:t>системные требования</a:t>
+            </a:r>
+            <a:r>
+              <a:rPr lang="ru-RU" sz="2400" dirty="0" smtClean="0">
+                <a:latin typeface="Arial" panose="020B0604020202020204" pitchFamily="34" charset="0"/>
+                <a:cs typeface="Arial" panose="020B0604020202020204" pitchFamily="34" charset="0"/>
+              </a:rPr>
+              <a:t>:</a:t>
+            </a:r>
+          </a:p>
+          <a:p>
+            <a:pPr indent="628650">
               <a:lnSpc>
                 <a:spcPct val="150000"/>
               </a:lnSpc>
-              <a:spcBef>
-                <a:spcPts val="0"/>
-              </a:spcBef>
             </a:pPr>
             <a:r>
-              <a:rPr lang="ru-RU" dirty="0" smtClean="0">
-                <a:latin typeface="Arial" panose="020B0604020202020204" pitchFamily="34" charset="0"/>
-                <a:cs typeface="Arial" panose="020B0604020202020204" pitchFamily="34" charset="0"/>
-              </a:rPr>
-              <a:t>язык </a:t>
-            </a:r>
-            <a:r>
-              <a:rPr lang="en-US" dirty="0">
-                <a:latin typeface="Arial" panose="020B0604020202020204" pitchFamily="34" charset="0"/>
-                <a:cs typeface="Arial" panose="020B0604020202020204" pitchFamily="34" charset="0"/>
-              </a:rPr>
-              <a:t>Q#.</a:t>
-            </a:r>
-          </a:p>
-          <a:p>
-            <a:pPr marL="628650" indent="263525">
+              <a:rPr lang="ru-RU" sz="2400" dirty="0" smtClean="0">
+                <a:latin typeface="Arial" panose="020B0604020202020204" pitchFamily="34" charset="0"/>
+                <a:cs typeface="Arial" panose="020B0604020202020204" pitchFamily="34" charset="0"/>
+              </a:rPr>
+              <a:t>ОЗУ </a:t>
+            </a:r>
+            <a:r>
+              <a:rPr lang="ru-RU" sz="2400" dirty="0">
+                <a:latin typeface="Arial" panose="020B0604020202020204" pitchFamily="34" charset="0"/>
+                <a:cs typeface="Arial" panose="020B0604020202020204" pitchFamily="34" charset="0"/>
+              </a:rPr>
+              <a:t>объемом </a:t>
+            </a:r>
+            <a:r>
+              <a:rPr lang="ru-RU" sz="2400" dirty="0" smtClean="0">
+                <a:latin typeface="Arial" panose="020B0604020202020204" pitchFamily="34" charset="0"/>
+                <a:cs typeface="Arial" panose="020B0604020202020204" pitchFamily="34" charset="0"/>
+              </a:rPr>
+              <a:t>4</a:t>
+            </a:r>
+            <a:r>
+              <a:rPr lang="en-US" sz="2400" dirty="0" smtClean="0">
+                <a:latin typeface="Arial" panose="020B0604020202020204" pitchFamily="34" charset="0"/>
+                <a:cs typeface="Arial" panose="020B0604020202020204" pitchFamily="34" charset="0"/>
+              </a:rPr>
+              <a:t> </a:t>
+            </a:r>
+            <a:r>
+              <a:rPr lang="ru-RU" sz="2400" dirty="0" smtClean="0">
+                <a:latin typeface="Arial" panose="020B0604020202020204" pitchFamily="34" charset="0"/>
+                <a:cs typeface="Arial" panose="020B0604020202020204" pitchFamily="34" charset="0"/>
+              </a:rPr>
+              <a:t>Гб;</a:t>
+            </a:r>
+            <a:endParaRPr lang="ru-RU" sz="2400" dirty="0">
+              <a:latin typeface="Arial" panose="020B0604020202020204" pitchFamily="34" charset="0"/>
+              <a:cs typeface="Arial" panose="020B0604020202020204" pitchFamily="34" charset="0"/>
+            </a:endParaRPr>
+          </a:p>
+          <a:p>
+            <a:pPr marL="900113" indent="-271463">
               <a:lnSpc>
                 <a:spcPct val="150000"/>
               </a:lnSpc>
-              <a:spcBef>
-                <a:spcPts val="0"/>
-              </a:spcBef>
             </a:pPr>
-            <a:endParaRPr lang="ru-RU" sz="2200" dirty="0">
-              <a:latin typeface="Arial" panose="020B0604020202020204" pitchFamily="34" charset="0"/>
-              <a:cs typeface="Arial" panose="020B0604020202020204" pitchFamily="34" charset="0"/>
-            </a:endParaRPr>
-          </a:p>
-          <a:p>
-            <a:pPr marL="0" indent="628650" algn="just">
-              <a:lnSpc>
-                <a:spcPct val="150000"/>
-              </a:lnSpc>
-              <a:spcBef>
-                <a:spcPts val="0"/>
-              </a:spcBef>
-              <a:buNone/>
-            </a:pPr>
-            <a:endParaRPr lang="ru-RU" sz="3200" dirty="0">
-              <a:latin typeface="Arial" panose="020B0604020202020204" pitchFamily="34" charset="0"/>
-              <a:cs typeface="Arial" panose="020B0604020202020204" pitchFamily="34" charset="0"/>
-            </a:endParaRPr>
-          </a:p>
-          <a:p>
-            <a:pPr marL="0" indent="628650" algn="just">
-              <a:lnSpc>
-                <a:spcPct val="150000"/>
-              </a:lnSpc>
-              <a:spcBef>
-                <a:spcPts val="0"/>
-              </a:spcBef>
-              <a:buNone/>
-            </a:pPr>
-            <a:r>
-              <a:rPr lang="ru-RU" sz="2000" dirty="0" smtClean="0">
-                <a:latin typeface="+mj-lt"/>
-              </a:rPr>
-              <a:t>			</a:t>
-            </a:r>
-          </a:p>
-          <a:p>
-            <a:pPr marL="0" indent="628650" algn="just">
-              <a:lnSpc>
-                <a:spcPct val="150000"/>
-              </a:lnSpc>
-              <a:spcBef>
-                <a:spcPts val="0"/>
-              </a:spcBef>
-              <a:buNone/>
-            </a:pPr>
-            <a:r>
-              <a:rPr lang="ru-RU" sz="2000" dirty="0">
-                <a:latin typeface="+mj-lt"/>
-              </a:rPr>
-              <a:t> </a:t>
-            </a:r>
-            <a:r>
-              <a:rPr lang="ru-RU" sz="2000" dirty="0" smtClean="0">
-                <a:latin typeface="+mj-lt"/>
-              </a:rPr>
-              <a:t>    									                        </a:t>
-            </a:r>
-            <a:endParaRPr lang="ru-RU" sz="2000" dirty="0">
-              <a:latin typeface="+mj-lt"/>
-              <a:cs typeface="Arial" panose="020B0604020202020204" pitchFamily="34" charset="0"/>
-            </a:endParaRPr>
-          </a:p>
-          <a:p>
-            <a:pPr marL="0" indent="628650" algn="just">
-              <a:lnSpc>
-                <a:spcPct val="150000"/>
-              </a:lnSpc>
-              <a:spcBef>
-                <a:spcPts val="0"/>
-              </a:spcBef>
-              <a:buNone/>
-            </a:pPr>
-            <a:endParaRPr lang="ru-RU" sz="3200" dirty="0">
-              <a:latin typeface="Arial" panose="020B0604020202020204" pitchFamily="34" charset="0"/>
-              <a:cs typeface="Arial" panose="020B0604020202020204" pitchFamily="34" charset="0"/>
-            </a:endParaRPr>
-          </a:p>
-          <a:p>
-            <a:pPr marL="0" indent="628650" algn="just">
-              <a:lnSpc>
-                <a:spcPct val="150000"/>
-              </a:lnSpc>
-              <a:spcBef>
-                <a:spcPts val="0"/>
-              </a:spcBef>
-              <a:buNone/>
-            </a:pPr>
-            <a:endParaRPr lang="ru-RU" sz="3200" dirty="0">
-              <a:latin typeface="Arial" panose="020B0604020202020204" pitchFamily="34" charset="0"/>
-              <a:cs typeface="Arial" panose="020B0604020202020204" pitchFamily="34" charset="0"/>
-            </a:endParaRPr>
-          </a:p>
-          <a:p>
-            <a:pPr marL="0" indent="628650" algn="just">
-              <a:lnSpc>
-                <a:spcPct val="150000"/>
-              </a:lnSpc>
-              <a:spcBef>
-                <a:spcPts val="0"/>
-              </a:spcBef>
-              <a:buNone/>
-            </a:pPr>
-            <a:r>
-              <a:rPr lang="ru-RU" sz="3200" dirty="0">
-                <a:latin typeface="Arial" panose="020B0604020202020204" pitchFamily="34" charset="0"/>
-                <a:cs typeface="Arial" panose="020B0604020202020204" pitchFamily="34" charset="0"/>
-              </a:rPr>
-              <a:t>											        </a:t>
-            </a:r>
-          </a:p>
-        </p:txBody>
-      </p:sp>
-      <p:sp>
-        <p:nvSpPr>
-          <p:cNvPr id="4" name="Номер слайда 3"/>
+            <a:endParaRPr lang="ru-RU" dirty="0"/>
+          </a:p>
+        </p:txBody>
+      </p:sp>
+      <p:sp>
+        <p:nvSpPr>
+          <p:cNvPr id="3" name="Номер слайда 2"/>
           <p:cNvSpPr>
             <a:spLocks noGrp="1"/>
           </p:cNvSpPr>
@@ -4273,7 +4164,7 @@
     </p:spTree>
     <p:extLst>
       <p:ext uri="{BB962C8B-B14F-4D97-AF65-F5344CB8AC3E}">
-        <p14:creationId xmlns:p14="http://schemas.microsoft.com/office/powerpoint/2010/main" val="723238843"/>
+        <p14:creationId xmlns:p14="http://schemas.microsoft.com/office/powerpoint/2010/main" val="2868743933"/>
       </p:ext>
     </p:extLst>
   </p:cSld>
@@ -4317,324 +4208,320 @@
             <p:ph type="title"/>
           </p:nvPr>
         </p:nvSpPr>
-        <p:spPr>
-          <a:xfrm>
-            <a:off x="838200" y="452968"/>
-            <a:ext cx="10515600" cy="907192"/>
-          </a:xfrm>
-        </p:spPr>
+        <p:spPr/>
         <p:txBody>
           <a:bodyPr>
-            <a:noAutofit/>
+            <a:normAutofit/>
           </a:bodyPr>
           <a:lstStyle/>
           <a:p>
             <a:pPr algn="ctr"/>
             <a:r>
-              <a:rPr lang="ru-RU" sz="4000" dirty="0">
-                <a:latin typeface="Arial" panose="020B0604020202020204" pitchFamily="34" charset="0"/>
-                <a:cs typeface="Arial" panose="020B0604020202020204" pitchFamily="34" charset="0"/>
-              </a:rPr>
-              <a:t>Требования к </a:t>
-            </a:r>
-            <a:r>
               <a:rPr lang="ru-RU" sz="4000" dirty="0" smtClean="0">
                 <a:latin typeface="Arial" panose="020B0604020202020204" pitchFamily="34" charset="0"/>
                 <a:cs typeface="Arial" panose="020B0604020202020204" pitchFamily="34" charset="0"/>
               </a:rPr>
-              <a:t>программному </a:t>
-            </a:r>
-            <a:br>
-              <a:rPr lang="ru-RU" sz="4000" dirty="0" smtClean="0">
-                <a:latin typeface="Arial" panose="020B0604020202020204" pitchFamily="34" charset="0"/>
-                <a:cs typeface="Arial" panose="020B0604020202020204" pitchFamily="34" charset="0"/>
-              </a:rPr>
-            </a:br>
-            <a:r>
-              <a:rPr lang="ru-RU" sz="4000" dirty="0" smtClean="0">
-                <a:latin typeface="Arial" panose="020B0604020202020204" pitchFamily="34" charset="0"/>
-                <a:cs typeface="Arial" panose="020B0604020202020204" pitchFamily="34" charset="0"/>
-              </a:rPr>
-              <a:t>и </a:t>
-            </a:r>
-            <a:r>
-              <a:rPr lang="ru-RU" sz="4000" dirty="0">
-                <a:latin typeface="Arial" panose="020B0604020202020204" pitchFamily="34" charset="0"/>
-                <a:cs typeface="Arial" panose="020B0604020202020204" pitchFamily="34" charset="0"/>
-              </a:rPr>
-              <a:t>аппаратному обеспечению</a:t>
-            </a:r>
-          </a:p>
-        </p:txBody>
-      </p:sp>
-      <p:sp>
-        <p:nvSpPr>
-          <p:cNvPr id="7" name="TextBox 6"/>
-          <p:cNvSpPr txBox="1"/>
-          <p:nvPr/>
-        </p:nvSpPr>
-        <p:spPr>
-          <a:xfrm>
-            <a:off x="778933" y="1717930"/>
-            <a:ext cx="11243528" cy="4431983"/>
-          </a:xfrm>
-          <a:prstGeom prst="rect">
-            <a:avLst/>
-          </a:prstGeom>
-          <a:noFill/>
-        </p:spPr>
-        <p:txBody>
-          <a:bodyPr wrap="square" rtlCol="0">
-            <a:spAutoFit/>
-          </a:bodyPr>
-          <a:lstStyle/>
-          <a:p>
-            <a:pPr indent="628650" algn="just">
-              <a:lnSpc>
-                <a:spcPct val="150000"/>
-              </a:lnSpc>
-            </a:pPr>
-            <a:r>
-              <a:rPr lang="ru-RU" sz="2600" b="1" dirty="0" smtClean="0">
-                <a:latin typeface="Arial" panose="020B0604020202020204" pitchFamily="34" charset="0"/>
-                <a:cs typeface="Arial" panose="020B0604020202020204" pitchFamily="34" charset="0"/>
-              </a:rPr>
-              <a:t>Необходимое программное обеспечение:</a:t>
-            </a:r>
-            <a:r>
-              <a:rPr lang="ru-RU" sz="2400" b="1" dirty="0" smtClean="0">
-                <a:latin typeface="Arial" panose="020B0604020202020204" pitchFamily="34" charset="0"/>
-                <a:cs typeface="Arial" panose="020B0604020202020204" pitchFamily="34" charset="0"/>
-              </a:rPr>
-              <a:t> </a:t>
-            </a:r>
-            <a:endParaRPr lang="ru-RU" sz="2400" b="1" dirty="0">
+              <a:t>Проверка функции на сбалансированность</a:t>
+            </a:r>
+            <a:endParaRPr lang="ru-RU" sz="4000" dirty="0">
               <a:latin typeface="Arial" panose="020B0604020202020204" pitchFamily="34" charset="0"/>
               <a:cs typeface="Arial" panose="020B0604020202020204" pitchFamily="34" charset="0"/>
             </a:endParaRPr>
           </a:p>
-          <a:p>
-            <a:pPr marL="900113" indent="-271463" defTabSz="900113">
-              <a:lnSpc>
-                <a:spcPct val="150000"/>
-              </a:lnSpc>
-              <a:spcBef>
-                <a:spcPts val="0"/>
-              </a:spcBef>
-              <a:buFont typeface="Arial" panose="020B0604020202020204" pitchFamily="34" charset="0"/>
-              <a:buChar char="•"/>
-              <a:tabLst>
-                <a:tab pos="357188" algn="l"/>
-                <a:tab pos="900113" algn="l"/>
-              </a:tabLst>
+        </p:txBody>
+      </p:sp>
+      <p:sp>
+        <p:nvSpPr>
+          <p:cNvPr id="3" name="Объект 2"/>
+          <p:cNvSpPr>
+            <a:spLocks noGrp="1"/>
+          </p:cNvSpPr>
+          <p:nvPr>
+            <p:ph idx="1"/>
+          </p:nvPr>
+        </p:nvSpPr>
+        <p:spPr>
+          <a:xfrm>
+            <a:off x="838200" y="1433384"/>
+            <a:ext cx="10515600" cy="4743579"/>
+          </a:xfrm>
+        </p:spPr>
+        <p:txBody>
+          <a:bodyPr>
+            <a:normAutofit lnSpcReduction="10000"/>
+          </a:bodyPr>
+          <a:lstStyle/>
+          <a:p>
+            <a:pPr marL="0" indent="0">
+              <a:buNone/>
             </a:pPr>
             <a:r>
-              <a:rPr lang="en-US" sz="2400" dirty="0" smtClean="0">
-                <a:latin typeface="Arial" panose="020B0604020202020204" pitchFamily="34" charset="0"/>
-                <a:cs typeface="Arial" panose="020B0604020202020204" pitchFamily="34" charset="0"/>
-              </a:rPr>
-              <a:t>Windows 7+ / Linux / </a:t>
-            </a:r>
-            <a:r>
-              <a:rPr lang="en-US" sz="2400" dirty="0" err="1" smtClean="0">
-                <a:latin typeface="Arial" panose="020B0604020202020204" pitchFamily="34" charset="0"/>
-                <a:cs typeface="Arial" panose="020B0604020202020204" pitchFamily="34" charset="0"/>
-              </a:rPr>
-              <a:t>macOS</a:t>
-            </a:r>
-            <a:r>
-              <a:rPr lang="en-US" sz="2400" dirty="0" smtClean="0">
-                <a:latin typeface="Arial" panose="020B0604020202020204" pitchFamily="34" charset="0"/>
-                <a:cs typeface="Arial" panose="020B0604020202020204" pitchFamily="34" charset="0"/>
-              </a:rPr>
-              <a:t>;</a:t>
-            </a:r>
-            <a:endParaRPr lang="ru-RU" sz="2400" dirty="0" smtClean="0">
+              <a:rPr lang="ru-RU" dirty="0" smtClean="0">
+                <a:latin typeface="Arial" panose="020B0604020202020204" pitchFamily="34" charset="0"/>
+                <a:cs typeface="Arial" panose="020B0604020202020204" pitchFamily="34" charset="0"/>
+              </a:rPr>
+              <a:t>Пусть </a:t>
+            </a:r>
+            <a:r>
+              <a:rPr lang="en-US" i="1" dirty="0">
+                <a:latin typeface="Arial" panose="020B0604020202020204" pitchFamily="34" charset="0"/>
+                <a:cs typeface="Arial" panose="020B0604020202020204" pitchFamily="34" charset="0"/>
+              </a:rPr>
+              <a:t>f</a:t>
+            </a:r>
+            <a:r>
+              <a:rPr lang="ru-RU" i="1" dirty="0">
+                <a:latin typeface="Arial" panose="020B0604020202020204" pitchFamily="34" charset="0"/>
+                <a:cs typeface="Arial" panose="020B0604020202020204" pitchFamily="34" charset="0"/>
+              </a:rPr>
+              <a:t>: {0, 1} =&gt; {0, 1} </a:t>
+            </a:r>
+            <a:r>
+              <a:rPr lang="ru-RU" dirty="0">
+                <a:latin typeface="Arial" panose="020B0604020202020204" pitchFamily="34" charset="0"/>
+                <a:cs typeface="Arial" panose="020B0604020202020204" pitchFamily="34" charset="0"/>
+              </a:rPr>
+              <a:t>бинарная функция</a:t>
+            </a:r>
+            <a:r>
+              <a:rPr lang="ru-RU" dirty="0" smtClean="0">
+                <a:latin typeface="Arial" panose="020B0604020202020204" pitchFamily="34" charset="0"/>
+                <a:cs typeface="Arial" panose="020B0604020202020204" pitchFamily="34" charset="0"/>
+              </a:rPr>
+              <a:t>.</a:t>
+            </a:r>
+          </a:p>
+          <a:p>
+            <a:pPr marL="0" indent="0">
+              <a:buNone/>
+            </a:pPr>
+            <a:r>
+              <a:rPr lang="ru-RU" dirty="0" smtClean="0">
+                <a:latin typeface="Arial" panose="020B0604020202020204" pitchFamily="34" charset="0"/>
+                <a:cs typeface="Arial" panose="020B0604020202020204" pitchFamily="34" charset="0"/>
+              </a:rPr>
+              <a:t>Заметим</a:t>
+            </a:r>
+            <a:r>
+              <a:rPr lang="ru-RU" dirty="0">
+                <a:latin typeface="Arial" panose="020B0604020202020204" pitchFamily="34" charset="0"/>
+                <a:cs typeface="Arial" panose="020B0604020202020204" pitchFamily="34" charset="0"/>
+              </a:rPr>
+              <a:t>, что возможно только четыре значения для </a:t>
+            </a:r>
+            <a:r>
+              <a:rPr lang="en-US" i="1" dirty="0" smtClean="0">
+                <a:latin typeface="Arial" panose="020B0604020202020204" pitchFamily="34" charset="0"/>
+                <a:cs typeface="Arial" panose="020B0604020202020204" pitchFamily="34" charset="0"/>
+              </a:rPr>
+              <a:t>f</a:t>
+            </a:r>
+            <a:r>
+              <a:rPr lang="ru-RU" dirty="0">
+                <a:latin typeface="Arial" panose="020B0604020202020204" pitchFamily="34" charset="0"/>
+                <a:cs typeface="Arial" panose="020B0604020202020204" pitchFamily="34" charset="0"/>
+              </a:rPr>
+              <a:t>:</a:t>
+            </a:r>
+          </a:p>
+          <a:p>
+            <a:pPr marL="0" indent="0" algn="ctr">
+              <a:buNone/>
+            </a:pPr>
+            <a:r>
+              <a:rPr lang="ru-RU" i="1" dirty="0">
+                <a:latin typeface="Arial" panose="020B0604020202020204" pitchFamily="34" charset="0"/>
+                <a:cs typeface="Arial" panose="020B0604020202020204" pitchFamily="34" charset="0"/>
+              </a:rPr>
+              <a:t>f</a:t>
+            </a:r>
+            <a:r>
+              <a:rPr lang="ru-RU" i="1" baseline="-25000" dirty="0">
+                <a:latin typeface="Arial" panose="020B0604020202020204" pitchFamily="34" charset="0"/>
+                <a:cs typeface="Arial" panose="020B0604020202020204" pitchFamily="34" charset="0"/>
+              </a:rPr>
+              <a:t>1</a:t>
+            </a:r>
+            <a:r>
+              <a:rPr lang="ru-RU" i="1" dirty="0">
+                <a:latin typeface="Arial" panose="020B0604020202020204" pitchFamily="34" charset="0"/>
+                <a:cs typeface="Arial" panose="020B0604020202020204" pitchFamily="34" charset="0"/>
+              </a:rPr>
+              <a:t>:0→0, 1→0</a:t>
+            </a:r>
+            <a:r>
+              <a:rPr lang="ru-RU" i="1" dirty="0" smtClean="0">
+                <a:latin typeface="Arial" panose="020B0604020202020204" pitchFamily="34" charset="0"/>
+                <a:cs typeface="Arial" panose="020B0604020202020204" pitchFamily="34" charset="0"/>
+              </a:rPr>
+              <a:t>,</a:t>
+            </a:r>
+          </a:p>
+          <a:p>
+            <a:pPr marL="0" indent="0" algn="ctr">
+              <a:buNone/>
+            </a:pPr>
+            <a:r>
+              <a:rPr lang="ru-RU" i="1" dirty="0" smtClean="0">
+                <a:latin typeface="Arial" panose="020B0604020202020204" pitchFamily="34" charset="0"/>
+                <a:cs typeface="Arial" panose="020B0604020202020204" pitchFamily="34" charset="0"/>
+              </a:rPr>
+              <a:t>f</a:t>
+            </a:r>
+            <a:r>
+              <a:rPr lang="ru-RU" i="1" baseline="-25000" dirty="0" smtClean="0">
+                <a:latin typeface="Arial" panose="020B0604020202020204" pitchFamily="34" charset="0"/>
+                <a:cs typeface="Arial" panose="020B0604020202020204" pitchFamily="34" charset="0"/>
+              </a:rPr>
+              <a:t>2</a:t>
+            </a:r>
+            <a:r>
+              <a:rPr lang="ru-RU" i="1" dirty="0" smtClean="0">
+                <a:latin typeface="Arial" panose="020B0604020202020204" pitchFamily="34" charset="0"/>
+                <a:cs typeface="Arial" panose="020B0604020202020204" pitchFamily="34" charset="0"/>
+              </a:rPr>
+              <a:t>:0</a:t>
+            </a:r>
+            <a:r>
+              <a:rPr lang="ru-RU" i="1" dirty="0">
+                <a:latin typeface="Arial" panose="020B0604020202020204" pitchFamily="34" charset="0"/>
+                <a:cs typeface="Arial" panose="020B0604020202020204" pitchFamily="34" charset="0"/>
+              </a:rPr>
+              <a:t>→1, 1→1,</a:t>
+            </a:r>
+          </a:p>
+          <a:p>
+            <a:pPr marL="0" indent="0" algn="ctr">
+              <a:buNone/>
+            </a:pPr>
+            <a:r>
+              <a:rPr lang="ru-RU" i="1" dirty="0">
+                <a:latin typeface="Arial" panose="020B0604020202020204" pitchFamily="34" charset="0"/>
+                <a:cs typeface="Arial" panose="020B0604020202020204" pitchFamily="34" charset="0"/>
+              </a:rPr>
+              <a:t>f</a:t>
+            </a:r>
+            <a:r>
+              <a:rPr lang="ru-RU" i="1" baseline="-25000" dirty="0">
+                <a:latin typeface="Arial" panose="020B0604020202020204" pitchFamily="34" charset="0"/>
+                <a:cs typeface="Arial" panose="020B0604020202020204" pitchFamily="34" charset="0"/>
+              </a:rPr>
+              <a:t>3</a:t>
+            </a:r>
+            <a:r>
+              <a:rPr lang="ru-RU" i="1" dirty="0">
+                <a:latin typeface="Arial" panose="020B0604020202020204" pitchFamily="34" charset="0"/>
+                <a:cs typeface="Arial" panose="020B0604020202020204" pitchFamily="34" charset="0"/>
+              </a:rPr>
+              <a:t>:0→0, 1→1</a:t>
+            </a:r>
+            <a:r>
+              <a:rPr lang="ru-RU" i="1" dirty="0" smtClean="0">
+                <a:latin typeface="Arial" panose="020B0604020202020204" pitchFamily="34" charset="0"/>
+                <a:cs typeface="Arial" panose="020B0604020202020204" pitchFamily="34" charset="0"/>
+              </a:rPr>
+              <a:t>,</a:t>
+            </a:r>
+          </a:p>
+          <a:p>
+            <a:pPr marL="0" indent="0" algn="ctr">
+              <a:buNone/>
+            </a:pPr>
+            <a:r>
+              <a:rPr lang="ru-RU" i="1" dirty="0" smtClean="0">
+                <a:latin typeface="Arial" panose="020B0604020202020204" pitchFamily="34" charset="0"/>
+                <a:cs typeface="Arial" panose="020B0604020202020204" pitchFamily="34" charset="0"/>
+              </a:rPr>
+              <a:t>f</a:t>
+            </a:r>
+            <a:r>
+              <a:rPr lang="ru-RU" i="1" baseline="-25000" dirty="0" smtClean="0">
+                <a:latin typeface="Arial" panose="020B0604020202020204" pitchFamily="34" charset="0"/>
+                <a:cs typeface="Arial" panose="020B0604020202020204" pitchFamily="34" charset="0"/>
+              </a:rPr>
+              <a:t>4</a:t>
+            </a:r>
+            <a:r>
+              <a:rPr lang="ru-RU" i="1" dirty="0" smtClean="0">
+                <a:latin typeface="Arial" panose="020B0604020202020204" pitchFamily="34" charset="0"/>
+                <a:cs typeface="Arial" panose="020B0604020202020204" pitchFamily="34" charset="0"/>
+              </a:rPr>
+              <a:t>:0</a:t>
+            </a:r>
+            <a:r>
+              <a:rPr lang="ru-RU" i="1" dirty="0">
+                <a:latin typeface="Arial" panose="020B0604020202020204" pitchFamily="34" charset="0"/>
+                <a:cs typeface="Arial" panose="020B0604020202020204" pitchFamily="34" charset="0"/>
+              </a:rPr>
+              <a:t>→1, 1→0</a:t>
+            </a:r>
+            <a:r>
+              <a:rPr lang="ru-RU" i="1" dirty="0" smtClean="0">
+                <a:latin typeface="Arial" panose="020B0604020202020204" pitchFamily="34" charset="0"/>
+                <a:cs typeface="Arial" panose="020B0604020202020204" pitchFamily="34" charset="0"/>
+              </a:rPr>
+              <a:t>.</a:t>
+            </a:r>
+          </a:p>
+          <a:p>
+            <a:pPr marL="0" indent="0">
+              <a:buNone/>
+            </a:pPr>
+            <a:r>
+              <a:rPr lang="ru-RU" dirty="0" smtClean="0"/>
+              <a:t>Их </a:t>
+            </a:r>
+            <a:r>
+              <a:rPr lang="ru-RU" dirty="0"/>
+              <a:t>можно разделить на две категории: константные и сбалансированные</a:t>
+            </a:r>
+            <a:r>
+              <a:rPr lang="ru-RU" dirty="0" smtClean="0"/>
+              <a:t>.</a:t>
+            </a:r>
+            <a:r>
+              <a:rPr lang="ru-RU" dirty="0"/>
+              <a:t> </a:t>
+            </a:r>
+            <a:endParaRPr lang="ru-RU" dirty="0" smtClean="0"/>
+          </a:p>
+          <a:p>
+            <a:pPr marL="0" indent="0">
+              <a:buNone/>
+            </a:pPr>
+            <a:r>
+              <a:rPr lang="ru-RU" dirty="0" smtClean="0"/>
+              <a:t>Задача: определить </a:t>
+            </a:r>
+            <a:r>
+              <a:rPr lang="ru-RU" dirty="0"/>
+              <a:t>к какой из этих двух категорий относится функция в черном ящике.</a:t>
+            </a:r>
+            <a:endParaRPr lang="ru-RU" i="1" dirty="0" smtClean="0">
               <a:latin typeface="Arial" panose="020B0604020202020204" pitchFamily="34" charset="0"/>
               <a:cs typeface="Arial" panose="020B0604020202020204" pitchFamily="34" charset="0"/>
             </a:endParaRPr>
           </a:p>
           <a:p>
-            <a:pPr marL="900113" indent="-271463" defTabSz="900113">
-              <a:lnSpc>
-                <a:spcPct val="150000"/>
-              </a:lnSpc>
-              <a:spcBef>
-                <a:spcPts val="0"/>
-              </a:spcBef>
-              <a:buFont typeface="Arial" panose="020B0604020202020204" pitchFamily="34" charset="0"/>
-              <a:buChar char="•"/>
-              <a:tabLst>
-                <a:tab pos="357188" algn="l"/>
-                <a:tab pos="900113" algn="l"/>
-              </a:tabLst>
+            <a:pPr marL="0" indent="0">
+              <a:buNone/>
             </a:pPr>
-            <a:r>
-              <a:rPr lang="en-US" sz="2400" dirty="0" err="1" smtClean="0">
-                <a:latin typeface="Arial" panose="020B0604020202020204" pitchFamily="34" charset="0"/>
-                <a:cs typeface="Arial" panose="020B0604020202020204" pitchFamily="34" charset="0"/>
-              </a:rPr>
-              <a:t>.Net</a:t>
-            </a:r>
-            <a:r>
-              <a:rPr lang="en-US" sz="2400" dirty="0" smtClean="0">
-                <a:latin typeface="Arial" panose="020B0604020202020204" pitchFamily="34" charset="0"/>
-                <a:cs typeface="Arial" panose="020B0604020202020204" pitchFamily="34" charset="0"/>
-              </a:rPr>
-              <a:t> Core SDK 2.1+</a:t>
-            </a:r>
-            <a:r>
-              <a:rPr lang="en-US" sz="2400" dirty="0">
-                <a:latin typeface="Arial" panose="020B0604020202020204" pitchFamily="34" charset="0"/>
-                <a:cs typeface="Arial" panose="020B0604020202020204" pitchFamily="34" charset="0"/>
-              </a:rPr>
-              <a:t>.</a:t>
-            </a:r>
-            <a:endParaRPr lang="ru-RU" sz="2400" dirty="0" smtClean="0">
-              <a:latin typeface="Arial" panose="020B0604020202020204" pitchFamily="34" charset="0"/>
-              <a:cs typeface="Arial" panose="020B0604020202020204" pitchFamily="34" charset="0"/>
-            </a:endParaRPr>
-          </a:p>
-          <a:p>
-            <a:pPr marL="628650" defTabSz="900113">
-              <a:lnSpc>
-                <a:spcPct val="150000"/>
-              </a:lnSpc>
-              <a:spcBef>
-                <a:spcPts val="0"/>
-              </a:spcBef>
-              <a:tabLst>
-                <a:tab pos="357188" algn="l"/>
-                <a:tab pos="900113" algn="l"/>
-              </a:tabLst>
-            </a:pPr>
-            <a:r>
-              <a:rPr lang="en-US" sz="2400" b="1" dirty="0" smtClean="0">
-                <a:latin typeface="Arial" panose="020B0604020202020204" pitchFamily="34" charset="0"/>
-                <a:cs typeface="Arial" panose="020B0604020202020204" pitchFamily="34" charset="0"/>
-              </a:rPr>
-              <a:t>IDE </a:t>
-            </a:r>
-            <a:r>
-              <a:rPr lang="ru-RU" sz="2400" b="1" dirty="0" smtClean="0">
-                <a:latin typeface="Arial" panose="020B0604020202020204" pitchFamily="34" charset="0"/>
-                <a:cs typeface="Arial" panose="020B0604020202020204" pitchFamily="34" charset="0"/>
-              </a:rPr>
-              <a:t>для упрощения работы с приложением:</a:t>
-            </a:r>
-          </a:p>
-          <a:p>
-            <a:pPr marL="628650" defTabSz="900113">
-              <a:lnSpc>
-                <a:spcPct val="150000"/>
-              </a:lnSpc>
-              <a:spcBef>
-                <a:spcPts val="0"/>
-              </a:spcBef>
-              <a:tabLst>
-                <a:tab pos="357188" algn="l"/>
-                <a:tab pos="900113" algn="l"/>
-              </a:tabLst>
-            </a:pPr>
-            <a:r>
-              <a:rPr lang="en-US" sz="2400" dirty="0" smtClean="0">
-                <a:latin typeface="Arial" panose="020B0604020202020204" pitchFamily="34" charset="0"/>
-                <a:cs typeface="Arial" panose="020B0604020202020204" pitchFamily="34" charset="0"/>
-              </a:rPr>
-              <a:t>Visual Studio 2017 / Visual Studio for Mac / Visual Studio Code.</a:t>
-            </a:r>
-            <a:endParaRPr lang="ru-RU" sz="2400" dirty="0" smtClean="0">
-              <a:latin typeface="Arial" panose="020B0604020202020204" pitchFamily="34" charset="0"/>
-              <a:cs typeface="Arial" panose="020B0604020202020204" pitchFamily="34" charset="0"/>
-            </a:endParaRPr>
-          </a:p>
-          <a:p>
-            <a:pPr indent="628650">
-              <a:lnSpc>
-                <a:spcPct val="150000"/>
-              </a:lnSpc>
-            </a:pPr>
-            <a:r>
-              <a:rPr lang="ru-RU" sz="2400" b="1" dirty="0" smtClean="0">
-                <a:latin typeface="Arial" panose="020B0604020202020204" pitchFamily="34" charset="0"/>
-                <a:cs typeface="Arial" panose="020B0604020202020204" pitchFamily="34" charset="0"/>
-              </a:rPr>
-              <a:t>Минимальные </a:t>
-            </a:r>
-            <a:r>
-              <a:rPr lang="ru-RU" sz="2400" b="1" dirty="0">
-                <a:latin typeface="Arial" panose="020B0604020202020204" pitchFamily="34" charset="0"/>
-                <a:cs typeface="Arial" panose="020B0604020202020204" pitchFamily="34" charset="0"/>
-              </a:rPr>
-              <a:t>системные требования</a:t>
-            </a:r>
-            <a:r>
-              <a:rPr lang="ru-RU" sz="2400" dirty="0" smtClean="0">
-                <a:latin typeface="Arial" panose="020B0604020202020204" pitchFamily="34" charset="0"/>
-                <a:cs typeface="Arial" panose="020B0604020202020204" pitchFamily="34" charset="0"/>
-              </a:rPr>
-              <a:t>:</a:t>
-            </a:r>
-          </a:p>
-          <a:p>
-            <a:pPr indent="628650">
-              <a:lnSpc>
-                <a:spcPct val="150000"/>
-              </a:lnSpc>
-            </a:pPr>
-            <a:r>
-              <a:rPr lang="ru-RU" sz="2400" dirty="0" smtClean="0">
-                <a:latin typeface="Arial" panose="020B0604020202020204" pitchFamily="34" charset="0"/>
-                <a:cs typeface="Arial" panose="020B0604020202020204" pitchFamily="34" charset="0"/>
-              </a:rPr>
-              <a:t>ОЗУ </a:t>
-            </a:r>
-            <a:r>
-              <a:rPr lang="ru-RU" sz="2400" dirty="0">
-                <a:latin typeface="Arial" panose="020B0604020202020204" pitchFamily="34" charset="0"/>
-                <a:cs typeface="Arial" panose="020B0604020202020204" pitchFamily="34" charset="0"/>
-              </a:rPr>
-              <a:t>объемом </a:t>
-            </a:r>
-            <a:r>
-              <a:rPr lang="ru-RU" sz="2400" dirty="0" smtClean="0">
-                <a:latin typeface="Arial" panose="020B0604020202020204" pitchFamily="34" charset="0"/>
-                <a:cs typeface="Arial" panose="020B0604020202020204" pitchFamily="34" charset="0"/>
-              </a:rPr>
-              <a:t>4</a:t>
-            </a:r>
-            <a:r>
-              <a:rPr lang="en-US" sz="2400" dirty="0" smtClean="0">
-                <a:latin typeface="Arial" panose="020B0604020202020204" pitchFamily="34" charset="0"/>
-                <a:cs typeface="Arial" panose="020B0604020202020204" pitchFamily="34" charset="0"/>
-              </a:rPr>
-              <a:t> </a:t>
-            </a:r>
-            <a:r>
-              <a:rPr lang="ru-RU" sz="2400" dirty="0" smtClean="0">
-                <a:latin typeface="Arial" panose="020B0604020202020204" pitchFamily="34" charset="0"/>
-                <a:cs typeface="Arial" panose="020B0604020202020204" pitchFamily="34" charset="0"/>
-              </a:rPr>
-              <a:t>Гб;</a:t>
-            </a:r>
-            <a:endParaRPr lang="ru-RU" sz="2400" dirty="0">
-              <a:latin typeface="Arial" panose="020B0604020202020204" pitchFamily="34" charset="0"/>
-              <a:cs typeface="Arial" panose="020B0604020202020204" pitchFamily="34" charset="0"/>
-            </a:endParaRPr>
-          </a:p>
-          <a:p>
-            <a:pPr marL="900113" indent="-271463">
-              <a:lnSpc>
-                <a:spcPct val="150000"/>
-              </a:lnSpc>
+            <a:endParaRPr lang="ru-RU" dirty="0" smtClean="0"/>
+          </a:p>
+          <a:p>
+            <a:pPr marL="0" indent="0" algn="ctr">
+              <a:buNone/>
             </a:pPr>
             <a:endParaRPr lang="ru-RU" dirty="0"/>
           </a:p>
-        </p:txBody>
-      </p:sp>
-      <p:sp>
-        <p:nvSpPr>
-          <p:cNvPr id="3" name="Номер слайда 2"/>
+          <a:p>
+            <a:endParaRPr lang="ru-RU" dirty="0"/>
+          </a:p>
+        </p:txBody>
+      </p:sp>
+      <p:sp>
+        <p:nvSpPr>
+          <p:cNvPr id="4" name="Номер слайда 3"/>
           <p:cNvSpPr>
             <a:spLocks noGrp="1"/>
           </p:cNvSpPr>
@@ -4658,7 +4545,7 @@
     </p:spTree>
     <p:extLst>
       <p:ext uri="{BB962C8B-B14F-4D97-AF65-F5344CB8AC3E}">
-        <p14:creationId xmlns:p14="http://schemas.microsoft.com/office/powerpoint/2010/main" val="2868743933"/>
+        <p14:creationId xmlns:p14="http://schemas.microsoft.com/office/powerpoint/2010/main" val="1915048448"/>
       </p:ext>
     </p:extLst>
   </p:cSld>
@@ -4692,327 +4579,35 @@
           <a:chExt cx="0" cy="0"/>
         </a:xfrm>
       </p:grpSpPr>
-      <p:sp>
-        <p:nvSpPr>
-          <p:cNvPr id="2" name="Заголовок 1"/>
-          <p:cNvSpPr>
-            <a:spLocks noGrp="1"/>
-          </p:cNvSpPr>
-          <p:nvPr>
-            <p:ph type="title"/>
-          </p:nvPr>
-        </p:nvSpPr>
-        <p:spPr/>
-        <p:txBody>
-          <a:bodyPr>
-            <a:normAutofit/>
-          </a:bodyPr>
-          <a:lstStyle/>
-          <a:p>
-            <a:pPr algn="ctr"/>
-            <a:r>
-              <a:rPr lang="ru-RU" sz="4000" dirty="0" smtClean="0">
-                <a:latin typeface="Arial" panose="020B0604020202020204" pitchFamily="34" charset="0"/>
-                <a:cs typeface="Arial" panose="020B0604020202020204" pitchFamily="34" charset="0"/>
-              </a:rPr>
-              <a:t>Проверка функции на сбалансированность</a:t>
-            </a:r>
-            <a:endParaRPr lang="ru-RU" sz="4000" dirty="0">
-              <a:latin typeface="Arial" panose="020B0604020202020204" pitchFamily="34" charset="0"/>
-              <a:cs typeface="Arial" panose="020B0604020202020204" pitchFamily="34" charset="0"/>
-            </a:endParaRPr>
-          </a:p>
-        </p:txBody>
-      </p:sp>
-      <p:sp>
-        <p:nvSpPr>
-          <p:cNvPr id="3" name="Объект 2"/>
-          <p:cNvSpPr>
-            <a:spLocks noGrp="1"/>
-          </p:cNvSpPr>
+      <p:pic>
+        <p:nvPicPr>
+          <p:cNvPr id="5" name="Объект 4"/>
+          <p:cNvPicPr>
+            <a:picLocks noGrp="1" noChangeAspect="1"/>
+          </p:cNvPicPr>
           <p:nvPr>
             <p:ph idx="1"/>
           </p:nvPr>
-        </p:nvSpPr>
+        </p:nvPicPr>
+        <p:blipFill>
+          <a:blip r:embed="rId2">
+            <a:extLst>
+              <a:ext uri="{28A0092B-C50C-407E-A947-70E740481C1C}">
+                <a14:useLocalDpi xmlns:a14="http://schemas.microsoft.com/office/drawing/2010/main" val="0"/>
+              </a:ext>
+            </a:extLst>
+          </a:blip>
+          <a:stretch>
+            <a:fillRect/>
+          </a:stretch>
+        </p:blipFill>
         <p:spPr>
           <a:xfrm>
-            <a:off x="838200" y="1433384"/>
-            <a:ext cx="10515600" cy="4743579"/>
+            <a:off x="3519274" y="1124353"/>
+            <a:ext cx="5366500" cy="5225647"/>
           </a:xfrm>
         </p:spPr>
-        <p:txBody>
-          <a:bodyPr>
-            <a:normAutofit lnSpcReduction="10000"/>
-          </a:bodyPr>
-          <a:lstStyle/>
-          <a:p>
-            <a:pPr marL="0" indent="0">
-              <a:buNone/>
-            </a:pPr>
-            <a:r>
-              <a:rPr lang="ru-RU" dirty="0" smtClean="0">
-                <a:latin typeface="Arial" panose="020B0604020202020204" pitchFamily="34" charset="0"/>
-                <a:cs typeface="Arial" panose="020B0604020202020204" pitchFamily="34" charset="0"/>
-              </a:rPr>
-              <a:t>Пусть </a:t>
-            </a:r>
-            <a:r>
-              <a:rPr lang="en-US" i="1" dirty="0">
-                <a:latin typeface="Arial" panose="020B0604020202020204" pitchFamily="34" charset="0"/>
-                <a:cs typeface="Arial" panose="020B0604020202020204" pitchFamily="34" charset="0"/>
-              </a:rPr>
-              <a:t>f</a:t>
-            </a:r>
-            <a:r>
-              <a:rPr lang="ru-RU" i="1" dirty="0">
-                <a:latin typeface="Arial" panose="020B0604020202020204" pitchFamily="34" charset="0"/>
-                <a:cs typeface="Arial" panose="020B0604020202020204" pitchFamily="34" charset="0"/>
-              </a:rPr>
-              <a:t>: {0, 1} =&gt; {0, 1} </a:t>
-            </a:r>
-            <a:r>
-              <a:rPr lang="ru-RU" dirty="0">
-                <a:latin typeface="Arial" panose="020B0604020202020204" pitchFamily="34" charset="0"/>
-                <a:cs typeface="Arial" panose="020B0604020202020204" pitchFamily="34" charset="0"/>
-              </a:rPr>
-              <a:t>бинарная функция</a:t>
-            </a:r>
-            <a:r>
-              <a:rPr lang="ru-RU" dirty="0" smtClean="0">
-                <a:latin typeface="Arial" panose="020B0604020202020204" pitchFamily="34" charset="0"/>
-                <a:cs typeface="Arial" panose="020B0604020202020204" pitchFamily="34" charset="0"/>
-              </a:rPr>
-              <a:t>.</a:t>
-            </a:r>
-          </a:p>
-          <a:p>
-            <a:pPr marL="0" indent="0">
-              <a:buNone/>
-            </a:pPr>
-            <a:r>
-              <a:rPr lang="ru-RU" dirty="0" smtClean="0">
-                <a:latin typeface="Arial" panose="020B0604020202020204" pitchFamily="34" charset="0"/>
-                <a:cs typeface="Arial" panose="020B0604020202020204" pitchFamily="34" charset="0"/>
-              </a:rPr>
-              <a:t>Заметим</a:t>
-            </a:r>
-            <a:r>
-              <a:rPr lang="ru-RU" dirty="0">
-                <a:latin typeface="Arial" panose="020B0604020202020204" pitchFamily="34" charset="0"/>
-                <a:cs typeface="Arial" panose="020B0604020202020204" pitchFamily="34" charset="0"/>
-              </a:rPr>
-              <a:t>, что возможно только четыре значения для </a:t>
-            </a:r>
-            <a:r>
-              <a:rPr lang="en-US" i="1" dirty="0" smtClean="0">
-                <a:latin typeface="Arial" panose="020B0604020202020204" pitchFamily="34" charset="0"/>
-                <a:cs typeface="Arial" panose="020B0604020202020204" pitchFamily="34" charset="0"/>
-              </a:rPr>
-              <a:t>f</a:t>
-            </a:r>
-            <a:r>
-              <a:rPr lang="ru-RU" dirty="0">
-                <a:latin typeface="Arial" panose="020B0604020202020204" pitchFamily="34" charset="0"/>
-                <a:cs typeface="Arial" panose="020B0604020202020204" pitchFamily="34" charset="0"/>
-              </a:rPr>
-              <a:t>:</a:t>
-            </a:r>
-          </a:p>
-          <a:p>
-            <a:pPr marL="0" indent="0" algn="ctr">
-              <a:buNone/>
-            </a:pPr>
-            <a:r>
-              <a:rPr lang="ru-RU" i="1" dirty="0">
-                <a:latin typeface="Arial" panose="020B0604020202020204" pitchFamily="34" charset="0"/>
-                <a:cs typeface="Arial" panose="020B0604020202020204" pitchFamily="34" charset="0"/>
-              </a:rPr>
-              <a:t>f</a:t>
-            </a:r>
-            <a:r>
-              <a:rPr lang="ru-RU" i="1" baseline="-25000" dirty="0">
-                <a:latin typeface="Arial" panose="020B0604020202020204" pitchFamily="34" charset="0"/>
-                <a:cs typeface="Arial" panose="020B0604020202020204" pitchFamily="34" charset="0"/>
-              </a:rPr>
-              <a:t>1</a:t>
-            </a:r>
-            <a:r>
-              <a:rPr lang="ru-RU" i="1" dirty="0">
-                <a:latin typeface="Arial" panose="020B0604020202020204" pitchFamily="34" charset="0"/>
-                <a:cs typeface="Arial" panose="020B0604020202020204" pitchFamily="34" charset="0"/>
-              </a:rPr>
-              <a:t>:0→0, 1→0</a:t>
-            </a:r>
-            <a:r>
-              <a:rPr lang="ru-RU" i="1" dirty="0" smtClean="0">
-                <a:latin typeface="Arial" panose="020B0604020202020204" pitchFamily="34" charset="0"/>
-                <a:cs typeface="Arial" panose="020B0604020202020204" pitchFamily="34" charset="0"/>
-              </a:rPr>
-              <a:t>,</a:t>
-            </a:r>
-          </a:p>
-          <a:p>
-            <a:pPr marL="0" indent="0" algn="ctr">
-              <a:buNone/>
-            </a:pPr>
-            <a:r>
-              <a:rPr lang="ru-RU" i="1" dirty="0" smtClean="0">
-                <a:latin typeface="Arial" panose="020B0604020202020204" pitchFamily="34" charset="0"/>
-                <a:cs typeface="Arial" panose="020B0604020202020204" pitchFamily="34" charset="0"/>
-              </a:rPr>
-              <a:t>f</a:t>
-            </a:r>
-            <a:r>
-              <a:rPr lang="ru-RU" i="1" baseline="-25000" dirty="0" smtClean="0">
-                <a:latin typeface="Arial" panose="020B0604020202020204" pitchFamily="34" charset="0"/>
-                <a:cs typeface="Arial" panose="020B0604020202020204" pitchFamily="34" charset="0"/>
-              </a:rPr>
-              <a:t>2</a:t>
-            </a:r>
-            <a:r>
-              <a:rPr lang="ru-RU" i="1" dirty="0" smtClean="0">
-                <a:latin typeface="Arial" panose="020B0604020202020204" pitchFamily="34" charset="0"/>
-                <a:cs typeface="Arial" panose="020B0604020202020204" pitchFamily="34" charset="0"/>
-              </a:rPr>
-              <a:t>:0</a:t>
-            </a:r>
-            <a:r>
-              <a:rPr lang="ru-RU" i="1" dirty="0">
-                <a:latin typeface="Arial" panose="020B0604020202020204" pitchFamily="34" charset="0"/>
-                <a:cs typeface="Arial" panose="020B0604020202020204" pitchFamily="34" charset="0"/>
-              </a:rPr>
-              <a:t>→1, 1→1,</a:t>
-            </a:r>
-          </a:p>
-          <a:p>
-            <a:pPr marL="0" indent="0" algn="ctr">
-              <a:buNone/>
-            </a:pPr>
-            <a:r>
-              <a:rPr lang="ru-RU" i="1" dirty="0">
-                <a:latin typeface="Arial" panose="020B0604020202020204" pitchFamily="34" charset="0"/>
-                <a:cs typeface="Arial" panose="020B0604020202020204" pitchFamily="34" charset="0"/>
-              </a:rPr>
-              <a:t>f</a:t>
-            </a:r>
-            <a:r>
-              <a:rPr lang="ru-RU" i="1" baseline="-25000" dirty="0">
-                <a:latin typeface="Arial" panose="020B0604020202020204" pitchFamily="34" charset="0"/>
-                <a:cs typeface="Arial" panose="020B0604020202020204" pitchFamily="34" charset="0"/>
-              </a:rPr>
-              <a:t>3</a:t>
-            </a:r>
-            <a:r>
-              <a:rPr lang="ru-RU" i="1" dirty="0">
-                <a:latin typeface="Arial" panose="020B0604020202020204" pitchFamily="34" charset="0"/>
-                <a:cs typeface="Arial" panose="020B0604020202020204" pitchFamily="34" charset="0"/>
-              </a:rPr>
-              <a:t>:0→0, 1→1</a:t>
-            </a:r>
-            <a:r>
-              <a:rPr lang="ru-RU" i="1" dirty="0" smtClean="0">
-                <a:latin typeface="Arial" panose="020B0604020202020204" pitchFamily="34" charset="0"/>
-                <a:cs typeface="Arial" panose="020B0604020202020204" pitchFamily="34" charset="0"/>
-              </a:rPr>
-              <a:t>,</a:t>
-            </a:r>
-          </a:p>
-          <a:p>
-            <a:pPr marL="0" indent="0" algn="ctr">
-              <a:buNone/>
-            </a:pPr>
-            <a:r>
-              <a:rPr lang="ru-RU" i="1" dirty="0" smtClean="0">
-                <a:latin typeface="Arial" panose="020B0604020202020204" pitchFamily="34" charset="0"/>
-                <a:cs typeface="Arial" panose="020B0604020202020204" pitchFamily="34" charset="0"/>
-              </a:rPr>
-              <a:t>f</a:t>
-            </a:r>
-            <a:r>
-              <a:rPr lang="ru-RU" i="1" baseline="-25000" dirty="0" smtClean="0">
-                <a:latin typeface="Arial" panose="020B0604020202020204" pitchFamily="34" charset="0"/>
-                <a:cs typeface="Arial" panose="020B0604020202020204" pitchFamily="34" charset="0"/>
-              </a:rPr>
-              <a:t>4</a:t>
-            </a:r>
-            <a:r>
-              <a:rPr lang="ru-RU" i="1" dirty="0" smtClean="0">
-                <a:latin typeface="Arial" panose="020B0604020202020204" pitchFamily="34" charset="0"/>
-                <a:cs typeface="Arial" panose="020B0604020202020204" pitchFamily="34" charset="0"/>
-              </a:rPr>
-              <a:t>:0</a:t>
-            </a:r>
-            <a:r>
-              <a:rPr lang="ru-RU" i="1" dirty="0">
-                <a:latin typeface="Arial" panose="020B0604020202020204" pitchFamily="34" charset="0"/>
-                <a:cs typeface="Arial" panose="020B0604020202020204" pitchFamily="34" charset="0"/>
-              </a:rPr>
-              <a:t>→1, 1→0</a:t>
-            </a:r>
-            <a:r>
-              <a:rPr lang="ru-RU" i="1" dirty="0" smtClean="0">
-                <a:latin typeface="Arial" panose="020B0604020202020204" pitchFamily="34" charset="0"/>
-                <a:cs typeface="Arial" panose="020B0604020202020204" pitchFamily="34" charset="0"/>
-              </a:rPr>
-              <a:t>.</a:t>
-            </a:r>
-          </a:p>
-          <a:p>
-            <a:pPr marL="0" indent="0">
-              <a:buNone/>
-            </a:pPr>
-            <a:r>
-              <a:rPr lang="ru-RU" dirty="0" smtClean="0"/>
-              <a:t>Их </a:t>
-            </a:r>
-            <a:r>
-              <a:rPr lang="ru-RU" dirty="0"/>
-              <a:t>можно разделить на две категории: константные и сбалансированные</a:t>
-            </a:r>
-            <a:r>
-              <a:rPr lang="ru-RU" dirty="0" smtClean="0"/>
-              <a:t>.</a:t>
-            </a:r>
-            <a:r>
-              <a:rPr lang="ru-RU" dirty="0"/>
-              <a:t> </a:t>
-            </a:r>
-            <a:endParaRPr lang="ru-RU" dirty="0" smtClean="0"/>
-          </a:p>
-          <a:p>
-            <a:pPr marL="0" indent="0">
-              <a:buNone/>
-            </a:pPr>
-            <a:r>
-              <a:rPr lang="ru-RU" dirty="0" smtClean="0"/>
-              <a:t>Задача: определить </a:t>
-            </a:r>
-            <a:r>
-              <a:rPr lang="ru-RU" dirty="0"/>
-              <a:t>к какой из этих двух категорий относится функция в черном ящике.</a:t>
-            </a:r>
-            <a:endParaRPr lang="ru-RU" i="1" dirty="0" smtClean="0">
-              <a:latin typeface="Arial" panose="020B0604020202020204" pitchFamily="34" charset="0"/>
-              <a:cs typeface="Arial" panose="020B0604020202020204" pitchFamily="34" charset="0"/>
-            </a:endParaRPr>
-          </a:p>
-          <a:p>
-            <a:pPr marL="0" indent="0">
-              <a:buNone/>
-            </a:pPr>
-            <a:endParaRPr lang="ru-RU" dirty="0" smtClean="0"/>
-          </a:p>
-          <a:p>
-            <a:pPr marL="0" indent="0" algn="ctr">
-              <a:buNone/>
-            </a:pPr>
-            <a:endParaRPr lang="ru-RU" dirty="0"/>
-          </a:p>
-          <a:p>
-            <a:endParaRPr lang="ru-RU" dirty="0"/>
-          </a:p>
-        </p:txBody>
-      </p:sp>
+      </p:pic>
       <p:sp>
         <p:nvSpPr>
           <p:cNvPr id="4" name="Номер слайда 3"/>
@@ -5036,10 +4631,50 @@
           </a:p>
         </p:txBody>
       </p:sp>
+      <p:sp>
+        <p:nvSpPr>
+          <p:cNvPr id="6" name="Прямоугольник 5"/>
+          <p:cNvSpPr/>
+          <p:nvPr/>
+        </p:nvSpPr>
+        <p:spPr>
+          <a:xfrm>
+            <a:off x="606971" y="416467"/>
+            <a:ext cx="11237895" cy="707886"/>
+          </a:xfrm>
+          <a:prstGeom prst="rect">
+            <a:avLst/>
+          </a:prstGeom>
+        </p:spPr>
+        <p:txBody>
+          <a:bodyPr wrap="square">
+            <a:spAutoFit/>
+          </a:bodyPr>
+          <a:lstStyle/>
+          <a:p>
+            <a:pPr algn="ctr"/>
+            <a:r>
+              <a:rPr lang="ru-RU" sz="4000" dirty="0">
+                <a:latin typeface="Arial" panose="020B0604020202020204" pitchFamily="34" charset="0"/>
+                <a:cs typeface="Arial" panose="020B0604020202020204" pitchFamily="34" charset="0"/>
+              </a:rPr>
+              <a:t>Алгоритм </a:t>
+            </a:r>
+            <a:r>
+              <a:rPr lang="ru-RU" sz="4000" dirty="0" err="1">
+                <a:latin typeface="Arial" panose="020B0604020202020204" pitchFamily="34" charset="0"/>
+                <a:cs typeface="Arial" panose="020B0604020202020204" pitchFamily="34" charset="0"/>
+              </a:rPr>
+              <a:t>Дейча-Джозы</a:t>
+            </a:r>
+            <a:endParaRPr lang="ru-RU" sz="4000" dirty="0"/>
+          </a:p>
+        </p:txBody>
+      </p:sp>
     </p:spTree>
     <p:extLst>
       <p:ext uri="{BB962C8B-B14F-4D97-AF65-F5344CB8AC3E}">
-        <p14:creationId xmlns:p14="http://schemas.microsoft.com/office/powerpoint/2010/main" val="1915048448"/>
+        <p14:creationId xmlns:p14="http://schemas.microsoft.com/office/powerpoint/2010/main" val="3477067644"/>
       </p:ext>
     </p:extLst>
   </p:cSld>
@@ -5073,801 +4708,6 @@
           <a:chExt cx="0" cy="0"/>
         </a:xfrm>
       </p:grpSpPr>
-      <p:pic>
-        <p:nvPicPr>
-          <p:cNvPr id="5" name="Объект 4"/>
-          <p:cNvPicPr>
-            <a:picLocks noGrp="1" noChangeAspect="1"/>
-          </p:cNvPicPr>
-          <p:nvPr>
-            <p:ph idx="1"/>
-          </p:nvPr>
-        </p:nvPicPr>
-        <p:blipFill>
-          <a:blip r:embed="rId2">
-            <a:extLst>
-              <a:ext uri="{28A0092B-C50C-407E-A947-70E740481C1C}">
-                <a14:useLocalDpi xmlns:a14="http://schemas.microsoft.com/office/drawing/2010/main" val="0"/>
-              </a:ext>
-            </a:extLst>
-          </a:blip>
-          <a:stretch>
-            <a:fillRect/>
-          </a:stretch>
-        </p:blipFill>
-        <p:spPr>
-          <a:xfrm>
-            <a:off x="3519274" y="1124353"/>
-            <a:ext cx="5366500" cy="5225647"/>
-          </a:xfrm>
-        </p:spPr>
-      </p:pic>
-      <p:sp>
-        <p:nvSpPr>
-          <p:cNvPr id="4" name="Номер слайда 3"/>
-          <p:cNvSpPr>
-            <a:spLocks noGrp="1"/>
-          </p:cNvSpPr>
-          <p:nvPr>
-            <p:ph type="sldNum" sz="quarter" idx="12"/>
-          </p:nvPr>
-        </p:nvSpPr>
-        <p:spPr/>
-        <p:txBody>
-          <a:bodyPr/>
-          <a:lstStyle/>
-          <a:p>
-            <a:fld id="{ADDC721D-FED4-4080-8955-62676588A2D9}" type="slidenum">
-              <a:rPr lang="ru-RU" smtClean="0"/>
-              <a:t>13</a:t>
-            </a:fld>
-            <a:endParaRPr lang="ru-RU"/>
-          </a:p>
-        </p:txBody>
-      </p:sp>
-      <p:sp>
-        <p:nvSpPr>
-          <p:cNvPr id="6" name="Прямоугольник 5"/>
-          <p:cNvSpPr/>
-          <p:nvPr/>
-        </p:nvSpPr>
-        <p:spPr>
-          <a:xfrm>
-            <a:off x="606971" y="416467"/>
-            <a:ext cx="11237895" cy="707886"/>
-          </a:xfrm>
-          <a:prstGeom prst="rect">
-            <a:avLst/>
-          </a:prstGeom>
-        </p:spPr>
-        <p:txBody>
-          <a:bodyPr wrap="square">
-            <a:spAutoFit/>
-          </a:bodyPr>
-          <a:lstStyle/>
-          <a:p>
-            <a:pPr algn="ctr"/>
-            <a:r>
-              <a:rPr lang="ru-RU" sz="4000" dirty="0">
-                <a:latin typeface="Arial" panose="020B0604020202020204" pitchFamily="34" charset="0"/>
-                <a:cs typeface="Arial" panose="020B0604020202020204" pitchFamily="34" charset="0"/>
-              </a:rPr>
-              <a:t>Алгоритм </a:t>
-            </a:r>
-            <a:r>
-              <a:rPr lang="ru-RU" sz="4000" dirty="0" err="1">
-                <a:latin typeface="Arial" panose="020B0604020202020204" pitchFamily="34" charset="0"/>
-                <a:cs typeface="Arial" panose="020B0604020202020204" pitchFamily="34" charset="0"/>
-              </a:rPr>
-              <a:t>Дейча-Джозы</a:t>
-            </a:r>
-            <a:endParaRPr lang="ru-RU" sz="4000" dirty="0"/>
-          </a:p>
-        </p:txBody>
-      </p:sp>
-    </p:spTree>
-    <p:extLst>
-      <p:ext uri="{BB962C8B-B14F-4D97-AF65-F5344CB8AC3E}">
-        <p14:creationId xmlns:p14="http://schemas.microsoft.com/office/powerpoint/2010/main" val="3477067644"/>
-      </p:ext>
-    </p:extLst>
-  </p:cSld>
-  <p:clrMapOvr>
-    <a:masterClrMapping/>
-  </p:clrMapOvr>
-  <p:timing>
-    <p:tnLst>
-      <p:par>
-        <p:cTn id="1" dur="indefinite" restart="never" nodeType="tmRoot"/>
-      </p:par>
-    </p:tnLst>
-  </p:timing>
-</p:sld>
-</file>
-
-<file path=ppt/slides/slide14.xml><?xml version="1.0" encoding="utf-8"?>
-<p:sld xmlns:a="http://schemas.openxmlformats.org/drawingml/2006/main" xmlns:r="http://schemas.openxmlformats.org/officeDocument/2006/relationships" xmlns:p="http://schemas.openxmlformats.org/presentationml/2006/main" show="0">
-  <p:cSld>
-    <p:spTree>
-      <p:nvGrpSpPr>
-        <p:cNvPr id="1" name=""/>
-        <p:cNvGrpSpPr/>
-        <p:nvPr/>
-      </p:nvGrpSpPr>
-      <p:grpSpPr>
-        <a:xfrm>
-          <a:off x="0" y="0"/>
-          <a:ext cx="0" cy="0"/>
-          <a:chOff x="0" y="0"/>
-          <a:chExt cx="0" cy="0"/>
-        </a:xfrm>
-      </p:grpSpPr>
-      <p:sp>
-        <p:nvSpPr>
-          <p:cNvPr id="2" name="Заголовок 1"/>
-          <p:cNvSpPr>
-            <a:spLocks noGrp="1"/>
-          </p:cNvSpPr>
-          <p:nvPr>
-            <p:ph type="title"/>
-          </p:nvPr>
-        </p:nvSpPr>
-        <p:spPr>
-          <a:xfrm>
-            <a:off x="838200" y="365125"/>
-            <a:ext cx="10515600" cy="936453"/>
-          </a:xfrm>
-        </p:spPr>
-        <p:txBody>
-          <a:bodyPr>
-            <a:normAutofit/>
-          </a:bodyPr>
-          <a:lstStyle/>
-          <a:p>
-            <a:pPr algn="ctr"/>
-            <a:r>
-              <a:rPr lang="ru-RU" sz="4000" dirty="0" smtClean="0">
-                <a:latin typeface="Arial" panose="020B0604020202020204" pitchFamily="34" charset="0"/>
-                <a:cs typeface="Arial" panose="020B0604020202020204" pitchFamily="34" charset="0"/>
-              </a:rPr>
-              <a:t>Алгоритм </a:t>
-            </a:r>
-            <a:r>
-              <a:rPr lang="ru-RU" sz="4000" dirty="0" err="1" smtClean="0">
-                <a:latin typeface="Arial" panose="020B0604020202020204" pitchFamily="34" charset="0"/>
-                <a:cs typeface="Arial" panose="020B0604020202020204" pitchFamily="34" charset="0"/>
-              </a:rPr>
-              <a:t>Дейча-Джозы</a:t>
-            </a:r>
-            <a:endParaRPr lang="ru-RU" sz="4000" dirty="0">
-              <a:latin typeface="Arial" panose="020B0604020202020204" pitchFamily="34" charset="0"/>
-              <a:cs typeface="Arial" panose="020B0604020202020204" pitchFamily="34" charset="0"/>
-            </a:endParaRPr>
-          </a:p>
-        </p:txBody>
-      </p:sp>
-      <p:pic>
-        <p:nvPicPr>
-          <p:cNvPr id="4" name="Объект 3"/>
-          <p:cNvPicPr>
-            <a:picLocks noGrp="1" noChangeAspect="1"/>
-          </p:cNvPicPr>
-          <p:nvPr>
-            <p:ph idx="1"/>
-          </p:nvPr>
-        </p:nvPicPr>
-        <p:blipFill>
-          <a:blip r:embed="rId2">
-            <a:extLst>
-              <a:ext uri="{28A0092B-C50C-407E-A947-70E740481C1C}">
-                <a14:useLocalDpi xmlns:a14="http://schemas.microsoft.com/office/drawing/2010/main" val="0"/>
-              </a:ext>
-            </a:extLst>
-          </a:blip>
-          <a:stretch>
-            <a:fillRect/>
-          </a:stretch>
-        </p:blipFill>
-        <p:spPr>
-          <a:xfrm>
-            <a:off x="3019646" y="1479012"/>
-            <a:ext cx="6049925" cy="5131746"/>
-          </a:xfrm>
-        </p:spPr>
-      </p:pic>
-      <p:sp>
-        <p:nvSpPr>
-          <p:cNvPr id="3" name="Номер слайда 2"/>
-          <p:cNvSpPr>
-            <a:spLocks noGrp="1"/>
-          </p:cNvSpPr>
-          <p:nvPr>
-            <p:ph type="sldNum" sz="quarter" idx="12"/>
-          </p:nvPr>
-        </p:nvSpPr>
-        <p:spPr/>
-        <p:txBody>
-          <a:bodyPr/>
-          <a:lstStyle/>
-          <a:p>
-            <a:fld id="{ADDC721D-FED4-4080-8955-62676588A2D9}" type="slidenum">
-              <a:rPr lang="ru-RU" smtClean="0"/>
-              <a:t>14</a:t>
-            </a:fld>
-            <a:endParaRPr lang="ru-RU"/>
-          </a:p>
-        </p:txBody>
-      </p:sp>
-    </p:spTree>
-    <p:extLst>
-      <p:ext uri="{BB962C8B-B14F-4D97-AF65-F5344CB8AC3E}">
-        <p14:creationId xmlns:p14="http://schemas.microsoft.com/office/powerpoint/2010/main" val="128769471"/>
-      </p:ext>
-    </p:extLst>
-  </p:cSld>
-  <p:clrMapOvr>
-    <a:masterClrMapping/>
-  </p:clrMapOvr>
-  <mc:AlternateContent xmlns:mc="http://schemas.openxmlformats.org/markup-compatibility/2006" xmlns:p14="http://schemas.microsoft.com/office/powerpoint/2010/main">
-    <mc:Choice Requires="p14">
-      <p:transition spd="slow" p14:dur="2000"/>
-    </mc:Choice>
-    <mc:Fallback xmlns="">
-      <p:transition spd="slow"/>
-    </mc:Fallback>
-  </mc:AlternateContent>
-  <p:timing>
-    <p:tnLst>
-      <p:par>
-        <p:cTn id="1" dur="indefinite" restart="never" nodeType="tmRoot"/>
-      </p:par>
-    </p:tnLst>
-  </p:timing>
-</p:sld>
-</file>
-
-<file path=ppt/slides/slide15.xml><?xml version="1.0" encoding="utf-8"?>
-<p:sld xmlns:a="http://schemas.openxmlformats.org/drawingml/2006/main" xmlns:r="http://schemas.openxmlformats.org/officeDocument/2006/relationships" xmlns:p="http://schemas.openxmlformats.org/presentationml/2006/main" show="0">
-  <p:cSld>
-    <p:spTree>
-      <p:nvGrpSpPr>
-        <p:cNvPr id="1" name=""/>
-        <p:cNvGrpSpPr/>
-        <p:nvPr/>
-      </p:nvGrpSpPr>
-      <p:grpSpPr>
-        <a:xfrm>
-          <a:off x="0" y="0"/>
-          <a:ext cx="0" cy="0"/>
-          <a:chOff x="0" y="0"/>
-          <a:chExt cx="0" cy="0"/>
-        </a:xfrm>
-      </p:grpSpPr>
-      <p:sp>
-        <p:nvSpPr>
-          <p:cNvPr id="2" name="Заголовок 1"/>
-          <p:cNvSpPr>
-            <a:spLocks noGrp="1"/>
-          </p:cNvSpPr>
-          <p:nvPr>
-            <p:ph type="title"/>
-          </p:nvPr>
-        </p:nvSpPr>
-        <p:spPr/>
-        <p:txBody>
-          <a:bodyPr>
-            <a:normAutofit/>
-          </a:bodyPr>
-          <a:lstStyle/>
-          <a:p>
-            <a:pPr algn="ctr"/>
-            <a:r>
-              <a:rPr lang="ru-RU" sz="4000" dirty="0" smtClean="0">
-                <a:latin typeface="Arial" panose="020B0604020202020204" pitchFamily="34" charset="0"/>
-                <a:cs typeface="Arial" panose="020B0604020202020204" pitchFamily="34" charset="0"/>
-              </a:rPr>
-              <a:t>Алгоритм </a:t>
-            </a:r>
-            <a:r>
-              <a:rPr lang="ru-RU" sz="4000" dirty="0" err="1" smtClean="0">
-                <a:latin typeface="Arial" panose="020B0604020202020204" pitchFamily="34" charset="0"/>
-                <a:cs typeface="Arial" panose="020B0604020202020204" pitchFamily="34" charset="0"/>
-              </a:rPr>
-              <a:t>Дейча-Джозы</a:t>
-            </a:r>
-            <a:endParaRPr lang="ru-RU" sz="4000" dirty="0">
-              <a:latin typeface="Arial" panose="020B0604020202020204" pitchFamily="34" charset="0"/>
-              <a:cs typeface="Arial" panose="020B0604020202020204" pitchFamily="34" charset="0"/>
-            </a:endParaRPr>
-          </a:p>
-        </p:txBody>
-      </p:sp>
-      <p:sp>
-        <p:nvSpPr>
-          <p:cNvPr id="3" name="Объект 2"/>
-          <p:cNvSpPr>
-            <a:spLocks noGrp="1"/>
-          </p:cNvSpPr>
-          <p:nvPr>
-            <p:ph idx="1"/>
-          </p:nvPr>
-        </p:nvSpPr>
-        <p:spPr/>
-        <p:txBody>
-          <a:bodyPr/>
-          <a:lstStyle/>
-          <a:p>
-            <a:pPr marL="0" indent="0">
-              <a:buNone/>
-            </a:pPr>
-            <a:r>
-              <a:rPr lang="en-US" dirty="0" smtClean="0"/>
-              <a:t/>
-            </a:r>
-            <a:br>
-              <a:rPr lang="en-US" dirty="0" smtClean="0"/>
-            </a:br>
-            <a:endParaRPr lang="ru-RU" dirty="0"/>
-          </a:p>
-        </p:txBody>
-      </p:sp>
-      <p:pic>
-        <p:nvPicPr>
-          <p:cNvPr id="7" name="Рисунок 6"/>
-          <p:cNvPicPr>
-            <a:picLocks noChangeAspect="1"/>
-          </p:cNvPicPr>
-          <p:nvPr/>
-        </p:nvPicPr>
-        <p:blipFill>
-          <a:blip r:embed="rId2" cstate="print">
-            <a:extLst>
-              <a:ext uri="{28A0092B-C50C-407E-A947-70E740481C1C}">
-                <a14:useLocalDpi xmlns:a14="http://schemas.microsoft.com/office/drawing/2010/main" val="0"/>
-              </a:ext>
-            </a:extLst>
-          </a:blip>
-          <a:stretch>
-            <a:fillRect/>
-          </a:stretch>
-        </p:blipFill>
-        <p:spPr>
-          <a:xfrm>
-            <a:off x="838200" y="1943136"/>
-            <a:ext cx="4361547" cy="1267456"/>
-          </a:xfrm>
-          <a:prstGeom prst="rect">
-            <a:avLst/>
-          </a:prstGeom>
-        </p:spPr>
-      </p:pic>
-      <p:pic>
-        <p:nvPicPr>
-          <p:cNvPr id="8" name="Рисунок 7"/>
-          <p:cNvPicPr>
-            <a:picLocks noChangeAspect="1"/>
-          </p:cNvPicPr>
-          <p:nvPr/>
-        </p:nvPicPr>
-        <p:blipFill>
-          <a:blip r:embed="rId3" cstate="print">
-            <a:extLst>
-              <a:ext uri="{28A0092B-C50C-407E-A947-70E740481C1C}">
-                <a14:useLocalDpi xmlns:a14="http://schemas.microsoft.com/office/drawing/2010/main" val="0"/>
-              </a:ext>
-            </a:extLst>
-          </a:blip>
-          <a:stretch>
-            <a:fillRect/>
-          </a:stretch>
-        </p:blipFill>
-        <p:spPr>
-          <a:xfrm>
-            <a:off x="838200" y="3345529"/>
-            <a:ext cx="7441436" cy="1332797"/>
-          </a:xfrm>
-          <a:prstGeom prst="rect">
-            <a:avLst/>
-          </a:prstGeom>
-        </p:spPr>
-      </p:pic>
-      <p:pic>
-        <p:nvPicPr>
-          <p:cNvPr id="9" name="Рисунок 8"/>
-          <p:cNvPicPr>
-            <a:picLocks noChangeAspect="1"/>
-          </p:cNvPicPr>
-          <p:nvPr/>
-        </p:nvPicPr>
-        <p:blipFill>
-          <a:blip r:embed="rId4" cstate="print">
-            <a:extLst>
-              <a:ext uri="{28A0092B-C50C-407E-A947-70E740481C1C}">
-                <a14:useLocalDpi xmlns:a14="http://schemas.microsoft.com/office/drawing/2010/main" val="0"/>
-              </a:ext>
-            </a:extLst>
-          </a:blip>
-          <a:stretch>
-            <a:fillRect/>
-          </a:stretch>
-        </p:blipFill>
-        <p:spPr>
-          <a:xfrm>
-            <a:off x="838200" y="4897444"/>
-            <a:ext cx="9769508" cy="1346987"/>
-          </a:xfrm>
-          <a:prstGeom prst="rect">
-            <a:avLst/>
-          </a:prstGeom>
-        </p:spPr>
-      </p:pic>
-      <p:sp>
-        <p:nvSpPr>
-          <p:cNvPr id="4" name="Номер слайда 3"/>
-          <p:cNvSpPr>
-            <a:spLocks noGrp="1"/>
-          </p:cNvSpPr>
-          <p:nvPr>
-            <p:ph type="sldNum" sz="quarter" idx="12"/>
-          </p:nvPr>
-        </p:nvSpPr>
-        <p:spPr/>
-        <p:txBody>
-          <a:bodyPr/>
-          <a:lstStyle/>
-          <a:p>
-            <a:fld id="{ADDC721D-FED4-4080-8955-62676588A2D9}" type="slidenum">
-              <a:rPr lang="ru-RU" smtClean="0"/>
-              <a:t>15</a:t>
-            </a:fld>
-            <a:endParaRPr lang="ru-RU"/>
-          </a:p>
-        </p:txBody>
-      </p:sp>
-    </p:spTree>
-    <p:extLst>
-      <p:ext uri="{BB962C8B-B14F-4D97-AF65-F5344CB8AC3E}">
-        <p14:creationId xmlns:p14="http://schemas.microsoft.com/office/powerpoint/2010/main" val="4282608794"/>
-      </p:ext>
-    </p:extLst>
-  </p:cSld>
-  <p:clrMapOvr>
-    <a:masterClrMapping/>
-  </p:clrMapOvr>
-  <mc:AlternateContent xmlns:mc="http://schemas.openxmlformats.org/markup-compatibility/2006" xmlns:p14="http://schemas.microsoft.com/office/powerpoint/2010/main">
-    <mc:Choice Requires="p14">
-      <p:transition spd="slow" p14:dur="2000"/>
-    </mc:Choice>
-    <mc:Fallback xmlns="">
-      <p:transition spd="slow"/>
-    </mc:Fallback>
-  </mc:AlternateContent>
-  <p:timing>
-    <p:tnLst>
-      <p:par>
-        <p:cTn id="1" dur="indefinite" restart="never" nodeType="tmRoot"/>
-      </p:par>
-    </p:tnLst>
-  </p:timing>
-</p:sld>
-</file>
-
-<file path=ppt/slides/slide16.xml><?xml version="1.0" encoding="utf-8"?>
-<p:sld xmlns:a="http://schemas.openxmlformats.org/drawingml/2006/main" xmlns:r="http://schemas.openxmlformats.org/officeDocument/2006/relationships" xmlns:p="http://schemas.openxmlformats.org/presentationml/2006/main" show="0">
-  <p:cSld>
-    <p:spTree>
-      <p:nvGrpSpPr>
-        <p:cNvPr id="1" name=""/>
-        <p:cNvGrpSpPr/>
-        <p:nvPr/>
-      </p:nvGrpSpPr>
-      <p:grpSpPr>
-        <a:xfrm>
-          <a:off x="0" y="0"/>
-          <a:ext cx="0" cy="0"/>
-          <a:chOff x="0" y="0"/>
-          <a:chExt cx="0" cy="0"/>
-        </a:xfrm>
-      </p:grpSpPr>
-      <p:sp>
-        <p:nvSpPr>
-          <p:cNvPr id="2" name="Заголовок 1"/>
-          <p:cNvSpPr>
-            <a:spLocks noGrp="1"/>
-          </p:cNvSpPr>
-          <p:nvPr>
-            <p:ph type="title"/>
-          </p:nvPr>
-        </p:nvSpPr>
-        <p:spPr/>
-        <p:txBody>
-          <a:bodyPr>
-            <a:normAutofit/>
-          </a:bodyPr>
-          <a:lstStyle/>
-          <a:p>
-            <a:pPr algn="ctr"/>
-            <a:r>
-              <a:rPr lang="ru-RU" sz="4000" dirty="0" smtClean="0">
-                <a:latin typeface="Arial" panose="020B0604020202020204" pitchFamily="34" charset="0"/>
-                <a:cs typeface="Arial" panose="020B0604020202020204" pitchFamily="34" charset="0"/>
-              </a:rPr>
-              <a:t>Алгоритм </a:t>
-            </a:r>
-            <a:r>
-              <a:rPr lang="ru-RU" sz="4000" dirty="0" err="1" smtClean="0">
-                <a:latin typeface="Arial" panose="020B0604020202020204" pitchFamily="34" charset="0"/>
-                <a:cs typeface="Arial" panose="020B0604020202020204" pitchFamily="34" charset="0"/>
-              </a:rPr>
-              <a:t>Дейча-Джозы</a:t>
-            </a:r>
-            <a:endParaRPr lang="ru-RU" sz="4000" dirty="0">
-              <a:latin typeface="Arial" panose="020B0604020202020204" pitchFamily="34" charset="0"/>
-              <a:cs typeface="Arial" panose="020B0604020202020204" pitchFamily="34" charset="0"/>
-            </a:endParaRPr>
-          </a:p>
-        </p:txBody>
-      </p:sp>
-      <p:sp>
-        <p:nvSpPr>
-          <p:cNvPr id="9" name="Объект 8"/>
-          <p:cNvSpPr>
-            <a:spLocks noGrp="1"/>
-          </p:cNvSpPr>
-          <p:nvPr>
-            <p:ph sz="half" idx="1"/>
-          </p:nvPr>
-        </p:nvSpPr>
-        <p:spPr>
-          <a:xfrm>
-            <a:off x="838200" y="1825624"/>
-            <a:ext cx="10889512" cy="3965575"/>
-          </a:xfrm>
-        </p:spPr>
-        <p:txBody>
-          <a:bodyPr/>
-          <a:lstStyle/>
-          <a:p>
-            <a:pPr marL="0" indent="0">
-              <a:buNone/>
-            </a:pPr>
-            <a:r>
-              <a:rPr lang="ru-RU" dirty="0" smtClean="0">
-                <a:latin typeface="Arial" panose="020B0604020202020204" pitchFamily="34" charset="0"/>
-                <a:cs typeface="Arial" panose="020B0604020202020204" pitchFamily="34" charset="0"/>
-              </a:rPr>
-              <a:t>Имеем экспоненциальный рост производительности при линейном росте количества </a:t>
-            </a:r>
-            <a:r>
-              <a:rPr lang="ru-RU" dirty="0" err="1" smtClean="0">
-                <a:latin typeface="Arial" panose="020B0604020202020204" pitchFamily="34" charset="0"/>
-                <a:cs typeface="Arial" panose="020B0604020202020204" pitchFamily="34" charset="0"/>
-              </a:rPr>
-              <a:t>кубит</a:t>
-            </a:r>
-            <a:r>
-              <a:rPr lang="ru-RU" dirty="0" smtClean="0">
-                <a:latin typeface="Arial" panose="020B0604020202020204" pitchFamily="34" charset="0"/>
-                <a:cs typeface="Arial" panose="020B0604020202020204" pitchFamily="34" charset="0"/>
-              </a:rPr>
-              <a:t>. </a:t>
-            </a:r>
-            <a:br>
-              <a:rPr lang="ru-RU" dirty="0" smtClean="0">
-                <a:latin typeface="Arial" panose="020B0604020202020204" pitchFamily="34" charset="0"/>
-                <a:cs typeface="Arial" panose="020B0604020202020204" pitchFamily="34" charset="0"/>
-              </a:rPr>
-            </a:br>
-            <a:r>
-              <a:rPr lang="ru-RU" dirty="0" smtClean="0">
-                <a:latin typeface="Arial" panose="020B0604020202020204" pitchFamily="34" charset="0"/>
-                <a:cs typeface="Arial" panose="020B0604020202020204" pitchFamily="34" charset="0"/>
-              </a:rPr>
-              <a:t>Для описания </a:t>
-            </a:r>
-            <a:r>
-              <a:rPr lang="ru-RU" dirty="0" err="1" smtClean="0">
-                <a:latin typeface="Arial" panose="020B0604020202020204" pitchFamily="34" charset="0"/>
-                <a:cs typeface="Arial" panose="020B0604020202020204" pitchFamily="34" charset="0"/>
-              </a:rPr>
-              <a:t>двухкубитного</a:t>
-            </a:r>
-            <a:r>
-              <a:rPr lang="ru-RU" dirty="0" smtClean="0">
-                <a:latin typeface="Arial" panose="020B0604020202020204" pitchFamily="34" charset="0"/>
-                <a:cs typeface="Arial" panose="020B0604020202020204" pitchFamily="34" charset="0"/>
-              </a:rPr>
-              <a:t> состояния требуется 4 комплексных числа</a:t>
-            </a:r>
-            <a:r>
-              <a:rPr lang="en-US" dirty="0">
-                <a:latin typeface="Arial" panose="020B0604020202020204" pitchFamily="34" charset="0"/>
-                <a:cs typeface="Arial" panose="020B0604020202020204" pitchFamily="34" charset="0"/>
-              </a:rPr>
-              <a:t>:</a:t>
-            </a:r>
-            <a:endParaRPr lang="en-US" dirty="0" smtClean="0">
-              <a:latin typeface="Arial" panose="020B0604020202020204" pitchFamily="34" charset="0"/>
-              <a:cs typeface="Arial" panose="020B0604020202020204" pitchFamily="34" charset="0"/>
-            </a:endParaRPr>
-          </a:p>
-          <a:p>
-            <a:pPr marL="0" indent="0">
-              <a:buNone/>
-            </a:pPr>
-            <a:endParaRPr lang="en-US" dirty="0">
-              <a:latin typeface="Arial" panose="020B0604020202020204" pitchFamily="34" charset="0"/>
-              <a:cs typeface="Arial" panose="020B0604020202020204" pitchFamily="34" charset="0"/>
-            </a:endParaRPr>
-          </a:p>
-          <a:p>
-            <a:pPr marL="0" indent="0">
-              <a:buNone/>
-            </a:pPr>
-            <a:endParaRPr lang="en-US" dirty="0" smtClean="0">
-              <a:latin typeface="Arial" panose="020B0604020202020204" pitchFamily="34" charset="0"/>
-              <a:cs typeface="Arial" panose="020B0604020202020204" pitchFamily="34" charset="0"/>
-            </a:endParaRPr>
-          </a:p>
-          <a:p>
-            <a:pPr marL="0" indent="0">
-              <a:buNone/>
-            </a:pPr>
-            <a:endParaRPr lang="en-US" dirty="0">
-              <a:latin typeface="Arial" panose="020B0604020202020204" pitchFamily="34" charset="0"/>
-              <a:cs typeface="Arial" panose="020B0604020202020204" pitchFamily="34" charset="0"/>
-            </a:endParaRPr>
-          </a:p>
-          <a:p>
-            <a:pPr marL="0" indent="0">
-              <a:buNone/>
-            </a:pPr>
-            <a:r>
-              <a:rPr lang="ru-RU" dirty="0" smtClean="0">
-                <a:latin typeface="Arial" panose="020B0604020202020204" pitchFamily="34" charset="0"/>
-                <a:cs typeface="Arial" panose="020B0604020202020204" pitchFamily="34" charset="0"/>
-              </a:rPr>
-              <a:t>а для </a:t>
-            </a:r>
-            <a:r>
-              <a:rPr lang="en-US" dirty="0" smtClean="0">
-                <a:latin typeface="Arial" panose="020B0604020202020204" pitchFamily="34" charset="0"/>
-                <a:cs typeface="Arial" panose="020B0604020202020204" pitchFamily="34" charset="0"/>
-              </a:rPr>
-              <a:t>N-</a:t>
-            </a:r>
-            <a:r>
-              <a:rPr lang="ru-RU" dirty="0" err="1" smtClean="0">
-                <a:latin typeface="Arial" panose="020B0604020202020204" pitchFamily="34" charset="0"/>
-                <a:cs typeface="Arial" panose="020B0604020202020204" pitchFamily="34" charset="0"/>
-              </a:rPr>
-              <a:t>кубитного</a:t>
-            </a:r>
-            <a:r>
-              <a:rPr lang="ru-RU" dirty="0" smtClean="0">
-                <a:latin typeface="Arial" panose="020B0604020202020204" pitchFamily="34" charset="0"/>
-                <a:cs typeface="Arial" panose="020B0604020202020204" pitchFamily="34" charset="0"/>
-              </a:rPr>
-              <a:t> </a:t>
-            </a:r>
-            <a:r>
-              <a:rPr lang="en-US" dirty="0" smtClean="0">
-                <a:latin typeface="Arial" panose="020B0604020202020204" pitchFamily="34" charset="0"/>
-                <a:cs typeface="Arial" panose="020B0604020202020204" pitchFamily="34" charset="0"/>
-              </a:rPr>
-              <a:t>2^N </a:t>
-            </a:r>
-            <a:r>
-              <a:rPr lang="ru-RU" dirty="0" smtClean="0">
-                <a:latin typeface="Arial" panose="020B0604020202020204" pitchFamily="34" charset="0"/>
-                <a:cs typeface="Arial" panose="020B0604020202020204" pitchFamily="34" charset="0"/>
-              </a:rPr>
-              <a:t>чисел.</a:t>
-            </a:r>
-            <a:endParaRPr lang="ru-RU" dirty="0">
-              <a:latin typeface="Arial" panose="020B0604020202020204" pitchFamily="34" charset="0"/>
-              <a:cs typeface="Arial" panose="020B0604020202020204" pitchFamily="34" charset="0"/>
-            </a:endParaRPr>
-          </a:p>
-        </p:txBody>
-      </p:sp>
-      <p:pic>
-        <p:nvPicPr>
-          <p:cNvPr id="13" name="Объект 12"/>
-          <p:cNvPicPr>
-            <a:picLocks noGrp="1" noChangeAspect="1"/>
-          </p:cNvPicPr>
-          <p:nvPr>
-            <p:ph sz="half" idx="2"/>
-          </p:nvPr>
-        </p:nvPicPr>
-        <p:blipFill>
-          <a:blip r:embed="rId2" cstate="print">
-            <a:extLst>
-              <a:ext uri="{28A0092B-C50C-407E-A947-70E740481C1C}">
-                <a14:useLocalDpi xmlns:a14="http://schemas.microsoft.com/office/drawing/2010/main" val="0"/>
-              </a:ext>
-            </a:extLst>
-          </a:blip>
-          <a:stretch>
-            <a:fillRect/>
-          </a:stretch>
-        </p:blipFill>
-        <p:spPr>
-          <a:xfrm>
-            <a:off x="838200" y="3856332"/>
-            <a:ext cx="8765231" cy="876521"/>
-          </a:xfrm>
-        </p:spPr>
-      </p:pic>
-      <p:sp>
-        <p:nvSpPr>
-          <p:cNvPr id="3" name="Номер слайда 2"/>
-          <p:cNvSpPr>
-            <a:spLocks noGrp="1"/>
-          </p:cNvSpPr>
-          <p:nvPr>
-            <p:ph type="sldNum" sz="quarter" idx="12"/>
-          </p:nvPr>
-        </p:nvSpPr>
-        <p:spPr/>
-        <p:txBody>
-          <a:bodyPr/>
-          <a:lstStyle/>
-          <a:p>
-            <a:fld id="{ADDC721D-FED4-4080-8955-62676588A2D9}" type="slidenum">
-              <a:rPr lang="ru-RU" smtClean="0"/>
-              <a:t>16</a:t>
-            </a:fld>
-            <a:endParaRPr lang="ru-RU"/>
-          </a:p>
-        </p:txBody>
-      </p:sp>
-    </p:spTree>
-    <p:extLst>
-      <p:ext uri="{BB962C8B-B14F-4D97-AF65-F5344CB8AC3E}">
-        <p14:creationId xmlns:p14="http://schemas.microsoft.com/office/powerpoint/2010/main" val="3325383088"/>
-      </p:ext>
-    </p:extLst>
-  </p:cSld>
-  <p:clrMapOvr>
-    <a:masterClrMapping/>
-  </p:clrMapOvr>
-  <mc:AlternateContent xmlns:mc="http://schemas.openxmlformats.org/markup-compatibility/2006" xmlns:p14="http://schemas.microsoft.com/office/powerpoint/2010/main">
-    <mc:Choice Requires="p14">
-      <p:transition spd="slow" p14:dur="2000"/>
-    </mc:Choice>
-    <mc:Fallback xmlns="">
-      <p:transition spd="slow"/>
-    </mc:Fallback>
-  </mc:AlternateContent>
-  <p:timing>
-    <p:tnLst>
-      <p:par>
-        <p:cTn id="1" dur="indefinite" restart="never" nodeType="tmRoot"/>
-      </p:par>
-    </p:tnLst>
-  </p:timing>
-</p:sld>
-</file>
-
-<file path=ppt/slides/slide17.xml><?xml version="1.0" encoding="utf-8"?>
-<p:sld xmlns:a="http://schemas.openxmlformats.org/drawingml/2006/main" xmlns:r="http://schemas.openxmlformats.org/officeDocument/2006/relationships" xmlns:p="http://schemas.openxmlformats.org/presentationml/2006/main">
-  <p:cSld>
-    <p:spTree>
-      <p:nvGrpSpPr>
-        <p:cNvPr id="1" name=""/>
-        <p:cNvGrpSpPr/>
-        <p:nvPr/>
-      </p:nvGrpSpPr>
-      <p:grpSpPr>
-        <a:xfrm>
-          <a:off x="0" y="0"/>
-          <a:ext cx="0" cy="0"/>
-          <a:chOff x="0" y="0"/>
-          <a:chExt cx="0" cy="0"/>
-        </a:xfrm>
-      </p:grpSpPr>
       <p:sp>
         <p:nvSpPr>
           <p:cNvPr id="11" name="Заголовок 10"/>
@@ -5973,7 +4813,7 @@
           <a:p>
             <a:fld id="{ADDC721D-FED4-4080-8955-62676588A2D9}" type="slidenum">
               <a:rPr lang="ru-RU" smtClean="0"/>
-              <a:t>17</a:t>
+              <a:t>13</a:t>
             </a:fld>
             <a:endParaRPr lang="ru-RU"/>
           </a:p>
@@ -5999,7 +4839,7 @@
 </p:sld>
 </file>
 
-<file path=ppt/slides/slide18.xml><?xml version="1.0" encoding="utf-8"?>
+<file path=ppt/slides/slide14.xml><?xml version="1.0" encoding="utf-8"?>
 <p:sld xmlns:a="http://schemas.openxmlformats.org/drawingml/2006/main" xmlns:r="http://schemas.openxmlformats.org/officeDocument/2006/relationships" xmlns:p="http://schemas.openxmlformats.org/presentationml/2006/main">
   <p:cSld>
     <p:spTree>
@@ -6433,7 +5273,7 @@
           <a:p>
             <a:fld id="{ADDC721D-FED4-4080-8955-62676588A2D9}" type="slidenum">
               <a:rPr lang="ru-RU" smtClean="0"/>
-              <a:t>18</a:t>
+              <a:t>14</a:t>
             </a:fld>
             <a:endParaRPr lang="ru-RU"/>
           </a:p>
@@ -6459,7 +5299,7 @@
 </p:sld>
 </file>
 
-<file path=ppt/slides/slide19.xml><?xml version="1.0" encoding="utf-8"?>
+<file path=ppt/slides/slide15.xml><?xml version="1.0" encoding="utf-8"?>
 <p:sld xmlns:a="http://schemas.openxmlformats.org/drawingml/2006/main" xmlns:r="http://schemas.openxmlformats.org/officeDocument/2006/relationships" xmlns:p="http://schemas.openxmlformats.org/presentationml/2006/main">
   <p:cSld>
     <p:spTree>
@@ -6550,7 +5390,7 @@
           <a:p>
             <a:fld id="{ADDC721D-FED4-4080-8955-62676588A2D9}" type="slidenum">
               <a:rPr lang="ru-RU" smtClean="0"/>
-              <a:t>19</a:t>
+              <a:t>15</a:t>
             </a:fld>
             <a:endParaRPr lang="ru-RU"/>
           </a:p>
@@ -6576,450 +5416,7 @@
 </p:sld>
 </file>
 
-<file path=ppt/slides/slide2.xml><?xml version="1.0" encoding="utf-8"?>
-<p:sld xmlns:a="http://schemas.openxmlformats.org/drawingml/2006/main" xmlns:r="http://schemas.openxmlformats.org/officeDocument/2006/relationships" xmlns:p="http://schemas.openxmlformats.org/presentationml/2006/main" show="0">
-  <p:cSld>
-    <p:spTree>
-      <p:nvGrpSpPr>
-        <p:cNvPr id="1" name=""/>
-        <p:cNvGrpSpPr/>
-        <p:nvPr/>
-      </p:nvGrpSpPr>
-      <p:grpSpPr>
-        <a:xfrm>
-          <a:off x="0" y="0"/>
-          <a:ext cx="0" cy="0"/>
-          <a:chOff x="0" y="0"/>
-          <a:chExt cx="0" cy="0"/>
-        </a:xfrm>
-      </p:grpSpPr>
-      <p:sp>
-        <p:nvSpPr>
-          <p:cNvPr id="4" name="Заголовок 3"/>
-          <p:cNvSpPr>
-            <a:spLocks noGrp="1"/>
-          </p:cNvSpPr>
-          <p:nvPr>
-            <p:ph type="title"/>
-          </p:nvPr>
-        </p:nvSpPr>
-        <p:spPr>
-          <a:xfrm>
-            <a:off x="839788" y="365126"/>
-            <a:ext cx="10515600" cy="681080"/>
-          </a:xfrm>
-        </p:spPr>
-        <p:txBody>
-          <a:bodyPr>
-            <a:normAutofit/>
-          </a:bodyPr>
-          <a:lstStyle/>
-          <a:p>
-            <a:pPr algn="ctr"/>
-            <a:r>
-              <a:rPr lang="ru-RU" sz="4000" dirty="0">
-                <a:latin typeface="Arial" panose="020B0604020202020204" pitchFamily="34" charset="0"/>
-                <a:cs typeface="Arial" panose="020B0604020202020204" pitchFamily="34" charset="0"/>
-              </a:rPr>
-              <a:t>История развития квантовых вычислений</a:t>
-            </a:r>
-          </a:p>
-        </p:txBody>
-      </p:sp>
-      <p:sp>
-        <p:nvSpPr>
-          <p:cNvPr id="5" name="Текст 4"/>
-          <p:cNvSpPr>
-            <a:spLocks noGrp="1"/>
-          </p:cNvSpPr>
-          <p:nvPr>
-            <p:ph type="body" idx="1"/>
-          </p:nvPr>
-        </p:nvSpPr>
-        <p:spPr>
-          <a:xfrm>
-            <a:off x="939801" y="1170417"/>
-            <a:ext cx="5157787" cy="823912"/>
-          </a:xfrm>
-        </p:spPr>
-        <p:txBody>
-          <a:bodyPr/>
-          <a:lstStyle/>
-          <a:p>
-            <a:r>
-              <a:rPr lang="ru-RU" sz="2800" dirty="0" smtClean="0">
-                <a:latin typeface="Arial" panose="020B0604020202020204" pitchFamily="34" charset="0"/>
-                <a:cs typeface="Arial" panose="020B0604020202020204" pitchFamily="34" charset="0"/>
-              </a:rPr>
-              <a:t>Современные компьютеры</a:t>
-            </a:r>
-            <a:r>
-              <a:rPr lang="ru-RU" dirty="0" smtClean="0"/>
-              <a:t>	</a:t>
-            </a:r>
-            <a:endParaRPr lang="ru-RU" dirty="0"/>
-          </a:p>
-        </p:txBody>
-      </p:sp>
-      <p:sp>
-        <p:nvSpPr>
-          <p:cNvPr id="3" name="Объект 2"/>
-          <p:cNvSpPr>
-            <a:spLocks noGrp="1"/>
-          </p:cNvSpPr>
-          <p:nvPr>
-            <p:ph sz="half" idx="2"/>
-          </p:nvPr>
-        </p:nvSpPr>
-        <p:spPr>
-          <a:xfrm>
-            <a:off x="839788" y="1994329"/>
-            <a:ext cx="5157787" cy="4195334"/>
-          </a:xfrm>
-        </p:spPr>
-        <p:txBody>
-          <a:bodyPr>
-            <a:normAutofit/>
-          </a:bodyPr>
-          <a:lstStyle/>
-          <a:p>
-            <a:pPr marL="0" indent="0">
-              <a:buNone/>
-            </a:pPr>
-            <a:r>
-              <a:rPr lang="ru-RU" dirty="0" smtClean="0">
-                <a:latin typeface="Arial" panose="020B0604020202020204" pitchFamily="34" charset="0"/>
-                <a:cs typeface="Arial" panose="020B0604020202020204" pitchFamily="34" charset="0"/>
-              </a:rPr>
-              <a:t>Основаны </a:t>
-            </a:r>
-            <a:r>
-              <a:rPr lang="ru-RU" dirty="0">
-                <a:latin typeface="Arial" panose="020B0604020202020204" pitchFamily="34" charset="0"/>
-                <a:cs typeface="Arial" panose="020B0604020202020204" pitchFamily="34" charset="0"/>
-              </a:rPr>
-              <a:t>на классической </a:t>
-            </a:r>
-            <a:r>
-              <a:rPr lang="ru-RU" dirty="0" smtClean="0">
-                <a:latin typeface="Arial" panose="020B0604020202020204" pitchFamily="34" charset="0"/>
-                <a:cs typeface="Arial" panose="020B0604020202020204" pitchFamily="34" charset="0"/>
-              </a:rPr>
-              <a:t>физике и ограничены </a:t>
-            </a:r>
-            <a:r>
-              <a:rPr lang="ru-RU" dirty="0">
-                <a:latin typeface="Arial" panose="020B0604020202020204" pitchFamily="34" charset="0"/>
-                <a:cs typeface="Arial" panose="020B0604020202020204" pitchFamily="34" charset="0"/>
-              </a:rPr>
-              <a:t>тем фактом, что система может быть только в одном состоянии. </a:t>
-            </a:r>
-          </a:p>
-        </p:txBody>
-      </p:sp>
-      <p:sp>
-        <p:nvSpPr>
-          <p:cNvPr id="7" name="Объект 6"/>
-          <p:cNvSpPr>
-            <a:spLocks noGrp="1"/>
-          </p:cNvSpPr>
-          <p:nvPr>
-            <p:ph sz="quarter" idx="4"/>
-          </p:nvPr>
-        </p:nvSpPr>
-        <p:spPr>
-          <a:xfrm>
-            <a:off x="6172200" y="1994329"/>
-            <a:ext cx="5183188" cy="4195334"/>
-          </a:xfrm>
-        </p:spPr>
-        <p:txBody>
-          <a:bodyPr>
-            <a:normAutofit/>
-          </a:bodyPr>
-          <a:lstStyle/>
-          <a:p>
-            <a:pPr marL="0" indent="0">
-              <a:buNone/>
-            </a:pPr>
-            <a:r>
-              <a:rPr lang="ru-RU" dirty="0" smtClean="0">
-                <a:latin typeface="Arial" panose="020B0604020202020204" pitchFamily="34" charset="0"/>
-                <a:cs typeface="Arial" panose="020B0604020202020204" pitchFamily="34" charset="0"/>
-              </a:rPr>
-              <a:t>Система может находится в суперпозиции нескольких различных состояний одновременно. </a:t>
-            </a:r>
-          </a:p>
-          <a:p>
-            <a:pPr marL="0" indent="0">
-              <a:buNone/>
-            </a:pPr>
-            <a:r>
-              <a:rPr lang="ru-RU" dirty="0" smtClean="0">
-                <a:latin typeface="Arial" panose="020B0604020202020204" pitchFamily="34" charset="0"/>
-                <a:cs typeface="Arial" panose="020B0604020202020204" pitchFamily="34" charset="0"/>
-              </a:rPr>
-              <a:t>Территориально разделенные квантовые системы могут быть переплетены друг с другом и благодаря этому, операции перестают быть локальными.</a:t>
-            </a:r>
-          </a:p>
-          <a:p>
-            <a:endParaRPr lang="ru-RU" dirty="0"/>
-          </a:p>
-        </p:txBody>
-      </p:sp>
-      <p:sp>
-        <p:nvSpPr>
-          <p:cNvPr id="8" name="Текст 4"/>
-          <p:cNvSpPr txBox="1">
-            <a:spLocks/>
-          </p:cNvSpPr>
-          <p:nvPr/>
-        </p:nvSpPr>
-        <p:spPr>
-          <a:xfrm>
-            <a:off x="6097588" y="1107057"/>
-            <a:ext cx="5157787" cy="531018"/>
-          </a:xfrm>
-          <a:prstGeom prst="rect">
-            <a:avLst/>
-          </a:prstGeom>
-        </p:spPr>
-        <p:txBody>
-          <a:bodyPr vert="horz" lIns="91440" tIns="45720" rIns="91440" bIns="45720" rtlCol="0" anchor="b">
-            <a:normAutofit/>
-          </a:bodyPr>
-          <a:lstStyle>
-            <a:lvl1pPr marL="0" indent="0" algn="l" defTabSz="914400" rtl="0" eaLnBrk="1" latinLnBrk="0" hangingPunct="1">
-              <a:lnSpc>
-                <a:spcPct val="90000"/>
-              </a:lnSpc>
-              <a:spcBef>
-                <a:spcPts val="1000"/>
-              </a:spcBef>
-              <a:buFont typeface="Arial" panose="020B0604020202020204" pitchFamily="34" charset="0"/>
-              <a:buNone/>
-              <a:defRPr sz="2400" b="1" kern="1200">
-                <a:solidFill>
-                  <a:schemeClr val="tx1"/>
-                </a:solidFill>
-                <a:latin typeface="+mn-lt"/>
-                <a:ea typeface="+mn-ea"/>
-                <a:cs typeface="+mn-cs"/>
-              </a:defRPr>
-            </a:lvl1pPr>
-            <a:lvl2pPr marL="457200" indent="0" algn="l" defTabSz="914400" rtl="0" eaLnBrk="1" latinLnBrk="0" hangingPunct="1">
-              <a:lnSpc>
-                <a:spcPct val="90000"/>
-              </a:lnSpc>
-              <a:spcBef>
-                <a:spcPts val="500"/>
-              </a:spcBef>
-              <a:buFont typeface="Arial" panose="020B0604020202020204" pitchFamily="34" charset="0"/>
-              <a:buNone/>
-              <a:defRPr sz="2000" b="1" kern="1200">
-                <a:solidFill>
-                  <a:schemeClr val="tx1"/>
-                </a:solidFill>
-                <a:latin typeface="+mn-lt"/>
-                <a:ea typeface="+mn-ea"/>
-                <a:cs typeface="+mn-cs"/>
-              </a:defRPr>
-            </a:lvl2pPr>
-            <a:lvl3pPr marL="914400" indent="0" algn="l" defTabSz="914400" rtl="0" eaLnBrk="1" latinLnBrk="0" hangingPunct="1">
-              <a:lnSpc>
-                <a:spcPct val="90000"/>
-              </a:lnSpc>
-              <a:spcBef>
-                <a:spcPts val="500"/>
-              </a:spcBef>
-              <a:buFont typeface="Arial" panose="020B0604020202020204" pitchFamily="34" charset="0"/>
-              <a:buNone/>
-              <a:defRPr sz="1800" b="1" kern="1200">
-                <a:solidFill>
-                  <a:schemeClr val="tx1"/>
-                </a:solidFill>
-                <a:latin typeface="+mn-lt"/>
-                <a:ea typeface="+mn-ea"/>
-                <a:cs typeface="+mn-cs"/>
-              </a:defRPr>
-            </a:lvl3pPr>
-            <a:lvl4pPr marL="1371600" indent="0" algn="l" defTabSz="914400" rtl="0" eaLnBrk="1" latinLnBrk="0" hangingPunct="1">
-              <a:lnSpc>
-                <a:spcPct val="90000"/>
-              </a:lnSpc>
-              <a:spcBef>
-                <a:spcPts val="500"/>
-              </a:spcBef>
-              <a:buFont typeface="Arial" panose="020B0604020202020204" pitchFamily="34" charset="0"/>
-              <a:buNone/>
-              <a:defRPr sz="1600" b="1" kern="1200">
-                <a:solidFill>
-                  <a:schemeClr val="tx1"/>
-                </a:solidFill>
-                <a:latin typeface="+mn-lt"/>
-                <a:ea typeface="+mn-ea"/>
-                <a:cs typeface="+mn-cs"/>
-              </a:defRPr>
-            </a:lvl4pPr>
-            <a:lvl5pPr marL="1828800" indent="0" algn="l" defTabSz="914400" rtl="0" eaLnBrk="1" latinLnBrk="0" hangingPunct="1">
-              <a:lnSpc>
-                <a:spcPct val="90000"/>
-              </a:lnSpc>
-              <a:spcBef>
-                <a:spcPts val="500"/>
-              </a:spcBef>
-              <a:buFont typeface="Arial" panose="020B0604020202020204" pitchFamily="34" charset="0"/>
-              <a:buNone/>
-              <a:defRPr sz="1600" b="1" kern="1200">
-                <a:solidFill>
-                  <a:schemeClr val="tx1"/>
-                </a:solidFill>
-                <a:latin typeface="+mn-lt"/>
-                <a:ea typeface="+mn-ea"/>
-                <a:cs typeface="+mn-cs"/>
-              </a:defRPr>
-            </a:lvl5pPr>
-            <a:lvl6pPr marL="2286000" indent="0" algn="l" defTabSz="914400" rtl="0" eaLnBrk="1" latinLnBrk="0" hangingPunct="1">
-              <a:lnSpc>
-                <a:spcPct val="90000"/>
-              </a:lnSpc>
-              <a:spcBef>
-                <a:spcPts val="500"/>
-              </a:spcBef>
-              <a:buFont typeface="Arial" panose="020B0604020202020204" pitchFamily="34" charset="0"/>
-              <a:buNone/>
-              <a:defRPr sz="1600" b="1" kern="1200">
-                <a:solidFill>
-                  <a:schemeClr val="tx1"/>
-                </a:solidFill>
-                <a:latin typeface="+mn-lt"/>
-                <a:ea typeface="+mn-ea"/>
-                <a:cs typeface="+mn-cs"/>
-              </a:defRPr>
-            </a:lvl6pPr>
-            <a:lvl7pPr marL="2743200" indent="0" algn="l" defTabSz="914400" rtl="0" eaLnBrk="1" latinLnBrk="0" hangingPunct="1">
-              <a:lnSpc>
-                <a:spcPct val="90000"/>
-              </a:lnSpc>
-              <a:spcBef>
-                <a:spcPts val="500"/>
-              </a:spcBef>
-              <a:buFont typeface="Arial" panose="020B0604020202020204" pitchFamily="34" charset="0"/>
-              <a:buNone/>
-              <a:defRPr sz="1600" b="1" kern="1200">
-                <a:solidFill>
-                  <a:schemeClr val="tx1"/>
-                </a:solidFill>
-                <a:latin typeface="+mn-lt"/>
-                <a:ea typeface="+mn-ea"/>
-                <a:cs typeface="+mn-cs"/>
-              </a:defRPr>
-            </a:lvl7pPr>
-            <a:lvl8pPr marL="3200400" indent="0" algn="l" defTabSz="914400" rtl="0" eaLnBrk="1" latinLnBrk="0" hangingPunct="1">
-              <a:lnSpc>
-                <a:spcPct val="90000"/>
-              </a:lnSpc>
-              <a:spcBef>
-                <a:spcPts val="500"/>
-              </a:spcBef>
-              <a:buFont typeface="Arial" panose="020B0604020202020204" pitchFamily="34" charset="0"/>
-              <a:buNone/>
-              <a:defRPr sz="1600" b="1" kern="1200">
-                <a:solidFill>
-                  <a:schemeClr val="tx1"/>
-                </a:solidFill>
-                <a:latin typeface="+mn-lt"/>
-                <a:ea typeface="+mn-ea"/>
-                <a:cs typeface="+mn-cs"/>
-              </a:defRPr>
-            </a:lvl8pPr>
-            <a:lvl9pPr marL="3657600" indent="0" algn="l" defTabSz="914400" rtl="0" eaLnBrk="1" latinLnBrk="0" hangingPunct="1">
-              <a:lnSpc>
-                <a:spcPct val="90000"/>
-              </a:lnSpc>
-              <a:spcBef>
-                <a:spcPts val="500"/>
-              </a:spcBef>
-              <a:buFont typeface="Arial" panose="020B0604020202020204" pitchFamily="34" charset="0"/>
-              <a:buNone/>
-              <a:defRPr sz="1600" b="1" kern="1200">
-                <a:solidFill>
-                  <a:schemeClr val="tx1"/>
-                </a:solidFill>
-                <a:latin typeface="+mn-lt"/>
-                <a:ea typeface="+mn-ea"/>
-                <a:cs typeface="+mn-cs"/>
-              </a:defRPr>
-            </a:lvl9pPr>
-          </a:lstStyle>
-          <a:p>
-            <a:r>
-              <a:rPr lang="ru-RU" sz="2800" dirty="0" smtClean="0">
-                <a:latin typeface="Arial" panose="020B0604020202020204" pitchFamily="34" charset="0"/>
-                <a:cs typeface="Arial" panose="020B0604020202020204" pitchFamily="34" charset="0"/>
-              </a:rPr>
-              <a:t>Квантовые компьютеры</a:t>
-            </a:r>
-            <a:r>
-              <a:rPr lang="ru-RU" dirty="0" smtClean="0"/>
-              <a:t>	</a:t>
-            </a:r>
-            <a:endParaRPr lang="ru-RU" dirty="0"/>
-          </a:p>
-        </p:txBody>
-      </p:sp>
-      <p:sp>
-        <p:nvSpPr>
-          <p:cNvPr id="2" name="Номер слайда 1"/>
-          <p:cNvSpPr>
-            <a:spLocks noGrp="1"/>
-          </p:cNvSpPr>
-          <p:nvPr>
-            <p:ph type="sldNum" sz="quarter" idx="12"/>
-          </p:nvPr>
-        </p:nvSpPr>
-        <p:spPr/>
-        <p:txBody>
-          <a:bodyPr/>
-          <a:lstStyle/>
-          <a:p>
-            <a:fld id="{ADDC721D-FED4-4080-8955-62676588A2D9}" type="slidenum">
-              <a:rPr lang="ru-RU" smtClean="0"/>
-              <a:t>2</a:t>
-            </a:fld>
-            <a:endParaRPr lang="ru-RU" dirty="0"/>
-          </a:p>
-        </p:txBody>
-      </p:sp>
-    </p:spTree>
-    <p:extLst>
-      <p:ext uri="{BB962C8B-B14F-4D97-AF65-F5344CB8AC3E}">
-        <p14:creationId xmlns:p14="http://schemas.microsoft.com/office/powerpoint/2010/main" val="1484002832"/>
-      </p:ext>
-    </p:extLst>
-  </p:cSld>
-  <p:clrMapOvr>
-    <a:masterClrMapping/>
-  </p:clrMapOvr>
-  <mc:AlternateContent xmlns:mc="http://schemas.openxmlformats.org/markup-compatibility/2006" xmlns:p14="http://schemas.microsoft.com/office/powerpoint/2010/main">
-    <mc:Choice Requires="p14">
-      <p:transition spd="slow" p14:dur="2000"/>
-    </mc:Choice>
-    <mc:Fallback xmlns="">
-      <p:transition spd="slow"/>
-    </mc:Fallback>
-  </mc:AlternateContent>
-  <p:timing>
-    <p:tnLst>
-      <p:par>
-        <p:cTn id="1" dur="indefinite" restart="never" nodeType="tmRoot"/>
-      </p:par>
-    </p:tnLst>
-  </p:timing>
-</p:sld>
-</file>
-
-<file path=ppt/slides/slide20.xml><?xml version="1.0" encoding="utf-8"?>
+<file path=ppt/slides/slide16.xml><?xml version="1.0" encoding="utf-8"?>
 <p:sld xmlns:a="http://schemas.openxmlformats.org/drawingml/2006/main" xmlns:r="http://schemas.openxmlformats.org/officeDocument/2006/relationships" xmlns:p="http://schemas.openxmlformats.org/presentationml/2006/main">
   <p:cSld>
     <p:spTree>
@@ -7075,8 +5472,8 @@
           </a:p>
         </p:txBody>
       </p:sp>
-      <mc:AlternateContent xmlns:mc="http://schemas.openxmlformats.org/markup-compatibility/2006">
-        <mc:Choice xmlns:a14="http://schemas.microsoft.com/office/drawing/2010/main" Requires="a14">
+      <mc:AlternateContent xmlns:mc="http://schemas.openxmlformats.org/markup-compatibility/2006" xmlns:a14="http://schemas.microsoft.com/office/drawing/2010/main">
+        <mc:Choice Requires="a14">
           <p:sp>
             <p:nvSpPr>
               <p:cNvPr id="4" name="Объект 3"/>
@@ -7220,13 +5617,6 @@
                   </a:rPr>
                   <a:t> </a:t>
                 </a:r>
-                <a:r>
-                  <a:rPr lang="ru-RU" dirty="0">
-                    <a:latin typeface="Arial" panose="020B0604020202020204" pitchFamily="34" charset="0"/>
-                    <a:cs typeface="Arial" panose="020B0604020202020204" pitchFamily="34" charset="0"/>
-                  </a:rPr>
-                  <a:t/>
-                </a:r>
                 <a:br>
                   <a:rPr lang="ru-RU" dirty="0">
                     <a:latin typeface="Arial" panose="020B0604020202020204" pitchFamily="34" charset="0"/>
@@ -7310,13 +5700,6 @@
                   </a:rPr>
                   <a:t> </a:t>
                 </a:r>
-                <a:r>
-                  <a:rPr lang="ru-RU" dirty="0">
-                    <a:latin typeface="Arial" panose="020B0604020202020204" pitchFamily="34" charset="0"/>
-                    <a:cs typeface="Arial" panose="020B0604020202020204" pitchFamily="34" charset="0"/>
-                  </a:rPr>
-                  <a:t/>
-                </a:r>
                 <a:br>
                   <a:rPr lang="ru-RU" dirty="0">
                     <a:latin typeface="Arial" panose="020B0604020202020204" pitchFamily="34" charset="0"/>
@@ -7364,13 +5747,6 @@
                     <a:cs typeface="Arial" panose="020B0604020202020204" pitchFamily="34" charset="0"/>
                   </a:rPr>
                   <a:t> </a:t>
-                </a:r>
-                <a:r>
-                  <a:rPr lang="ru-RU" dirty="0">
-                    <a:latin typeface="Arial" panose="020B0604020202020204" pitchFamily="34" charset="0"/>
-                    <a:cs typeface="Arial" panose="020B0604020202020204" pitchFamily="34" charset="0"/>
-                  </a:rPr>
-                  <a:t/>
                 </a:r>
                 <a:br>
                   <a:rPr lang="ru-RU" dirty="0">
@@ -7516,15 +5892,11 @@
                   </a:rPr>
                   <a:t> (возможно тривиальный).</a:t>
                 </a:r>
-                <a:endParaRPr lang="ru-RU" dirty="0">
-                  <a:latin typeface="Arial" panose="020B0604020202020204" pitchFamily="34" charset="0"/>
-                  <a:cs typeface="Arial" panose="020B0604020202020204" pitchFamily="34" charset="0"/>
-                </a:endParaRPr>
               </a:p>
             </p:txBody>
           </p:sp>
         </mc:Choice>
-        <mc:Fallback>
+        <mc:Fallback xmlns="">
           <p:sp>
             <p:nvSpPr>
               <p:cNvPr id="4" name="Объект 3"/>
@@ -7575,7 +5947,7 @@
           <a:p>
             <a:fld id="{ADDC721D-FED4-4080-8955-62676588A2D9}" type="slidenum">
               <a:rPr lang="ru-RU" smtClean="0"/>
-              <a:t>20</a:t>
+              <a:t>16</a:t>
             </a:fld>
             <a:endParaRPr lang="ru-RU"/>
           </a:p>
@@ -7601,7 +5973,7 @@
 </p:sld>
 </file>
 
-<file path=ppt/slides/slide21.xml><?xml version="1.0" encoding="utf-8"?>
+<file path=ppt/slides/slide17.xml><?xml version="1.0" encoding="utf-8"?>
 <p:sld xmlns:a="http://schemas.openxmlformats.org/drawingml/2006/main" xmlns:r="http://schemas.openxmlformats.org/officeDocument/2006/relationships" xmlns:p="http://schemas.openxmlformats.org/presentationml/2006/main">
   <p:cSld>
     <p:spTree>
@@ -7663,7 +6035,7 @@
           <a:p>
             <a:fld id="{ADDC721D-FED4-4080-8955-62676588A2D9}" type="slidenum">
               <a:rPr lang="ru-RU" smtClean="0"/>
-              <a:t>21</a:t>
+              <a:t>17</a:t>
             </a:fld>
             <a:endParaRPr lang="ru-RU"/>
           </a:p>
@@ -7718,7 +6090,7 @@
 </p:sld>
 </file>
 
-<file path=ppt/slides/slide22.xml><?xml version="1.0" encoding="utf-8"?>
+<file path=ppt/slides/slide18.xml><?xml version="1.0" encoding="utf-8"?>
 <p:sld xmlns:a="http://schemas.openxmlformats.org/drawingml/2006/main" xmlns:r="http://schemas.openxmlformats.org/officeDocument/2006/relationships" xmlns:p="http://schemas.openxmlformats.org/presentationml/2006/main">
   <p:cSld>
     <p:spTree>
@@ -8452,7 +6824,7 @@
           <a:p>
             <a:fld id="{ADDC721D-FED4-4080-8955-62676588A2D9}" type="slidenum">
               <a:rPr lang="ru-RU" smtClean="0"/>
-              <a:t>22</a:t>
+              <a:t>18</a:t>
             </a:fld>
             <a:endParaRPr lang="ru-RU"/>
           </a:p>
@@ -8478,7 +6850,7 @@
 </p:sld>
 </file>
 
-<file path=ppt/slides/slide23.xml><?xml version="1.0" encoding="utf-8"?>
+<file path=ppt/slides/slide19.xml><?xml version="1.0" encoding="utf-8"?>
 <p:sld xmlns:a="http://schemas.openxmlformats.org/drawingml/2006/main" xmlns:r="http://schemas.openxmlformats.org/officeDocument/2006/relationships" xmlns:p="http://schemas.openxmlformats.org/presentationml/2006/main">
   <p:cSld>
     <p:spTree>
@@ -8975,7 +7347,7 @@
           <a:p>
             <a:fld id="{ADDC721D-FED4-4080-8955-62676588A2D9}" type="slidenum">
               <a:rPr lang="ru-RU" smtClean="0"/>
-              <a:t>23</a:t>
+              <a:t>19</a:t>
             </a:fld>
             <a:endParaRPr lang="ru-RU"/>
           </a:p>
@@ -9001,7 +7373,450 @@
 </p:sld>
 </file>
 
-<file path=ppt/slides/slide24.xml><?xml version="1.0" encoding="utf-8"?>
+<file path=ppt/slides/slide2.xml><?xml version="1.0" encoding="utf-8"?>
+<p:sld xmlns:a="http://schemas.openxmlformats.org/drawingml/2006/main" xmlns:r="http://schemas.openxmlformats.org/officeDocument/2006/relationships" xmlns:p="http://schemas.openxmlformats.org/presentationml/2006/main" show="0">
+  <p:cSld>
+    <p:spTree>
+      <p:nvGrpSpPr>
+        <p:cNvPr id="1" name=""/>
+        <p:cNvGrpSpPr/>
+        <p:nvPr/>
+      </p:nvGrpSpPr>
+      <p:grpSpPr>
+        <a:xfrm>
+          <a:off x="0" y="0"/>
+          <a:ext cx="0" cy="0"/>
+          <a:chOff x="0" y="0"/>
+          <a:chExt cx="0" cy="0"/>
+        </a:xfrm>
+      </p:grpSpPr>
+      <p:sp>
+        <p:nvSpPr>
+          <p:cNvPr id="4" name="Заголовок 3"/>
+          <p:cNvSpPr>
+            <a:spLocks noGrp="1"/>
+          </p:cNvSpPr>
+          <p:nvPr>
+            <p:ph type="title"/>
+          </p:nvPr>
+        </p:nvSpPr>
+        <p:spPr>
+          <a:xfrm>
+            <a:off x="839788" y="365126"/>
+            <a:ext cx="10515600" cy="681080"/>
+          </a:xfrm>
+        </p:spPr>
+        <p:txBody>
+          <a:bodyPr>
+            <a:normAutofit/>
+          </a:bodyPr>
+          <a:lstStyle/>
+          <a:p>
+            <a:pPr algn="ctr"/>
+            <a:r>
+              <a:rPr lang="ru-RU" sz="4000" dirty="0">
+                <a:latin typeface="Arial" panose="020B0604020202020204" pitchFamily="34" charset="0"/>
+                <a:cs typeface="Arial" panose="020B0604020202020204" pitchFamily="34" charset="0"/>
+              </a:rPr>
+              <a:t>История развития квантовых вычислений</a:t>
+            </a:r>
+          </a:p>
+        </p:txBody>
+      </p:sp>
+      <p:sp>
+        <p:nvSpPr>
+          <p:cNvPr id="5" name="Текст 4"/>
+          <p:cNvSpPr>
+            <a:spLocks noGrp="1"/>
+          </p:cNvSpPr>
+          <p:nvPr>
+            <p:ph type="body" idx="1"/>
+          </p:nvPr>
+        </p:nvSpPr>
+        <p:spPr>
+          <a:xfrm>
+            <a:off x="939801" y="1170417"/>
+            <a:ext cx="5157787" cy="823912"/>
+          </a:xfrm>
+        </p:spPr>
+        <p:txBody>
+          <a:bodyPr/>
+          <a:lstStyle/>
+          <a:p>
+            <a:r>
+              <a:rPr lang="ru-RU" sz="2800" dirty="0" smtClean="0">
+                <a:latin typeface="Arial" panose="020B0604020202020204" pitchFamily="34" charset="0"/>
+                <a:cs typeface="Arial" panose="020B0604020202020204" pitchFamily="34" charset="0"/>
+              </a:rPr>
+              <a:t>Современные компьютеры</a:t>
+            </a:r>
+            <a:r>
+              <a:rPr lang="ru-RU" dirty="0" smtClean="0"/>
+              <a:t>	</a:t>
+            </a:r>
+            <a:endParaRPr lang="ru-RU" dirty="0"/>
+          </a:p>
+        </p:txBody>
+      </p:sp>
+      <p:sp>
+        <p:nvSpPr>
+          <p:cNvPr id="3" name="Объект 2"/>
+          <p:cNvSpPr>
+            <a:spLocks noGrp="1"/>
+          </p:cNvSpPr>
+          <p:nvPr>
+            <p:ph sz="half" idx="2"/>
+          </p:nvPr>
+        </p:nvSpPr>
+        <p:spPr>
+          <a:xfrm>
+            <a:off x="839788" y="1994329"/>
+            <a:ext cx="5157787" cy="4195334"/>
+          </a:xfrm>
+        </p:spPr>
+        <p:txBody>
+          <a:bodyPr>
+            <a:normAutofit/>
+          </a:bodyPr>
+          <a:lstStyle/>
+          <a:p>
+            <a:pPr marL="0" indent="0">
+              <a:buNone/>
+            </a:pPr>
+            <a:r>
+              <a:rPr lang="ru-RU" dirty="0" smtClean="0">
+                <a:latin typeface="Arial" panose="020B0604020202020204" pitchFamily="34" charset="0"/>
+                <a:cs typeface="Arial" panose="020B0604020202020204" pitchFamily="34" charset="0"/>
+              </a:rPr>
+              <a:t>Основаны </a:t>
+            </a:r>
+            <a:r>
+              <a:rPr lang="ru-RU" dirty="0">
+                <a:latin typeface="Arial" panose="020B0604020202020204" pitchFamily="34" charset="0"/>
+                <a:cs typeface="Arial" panose="020B0604020202020204" pitchFamily="34" charset="0"/>
+              </a:rPr>
+              <a:t>на классической </a:t>
+            </a:r>
+            <a:r>
+              <a:rPr lang="ru-RU" dirty="0" smtClean="0">
+                <a:latin typeface="Arial" panose="020B0604020202020204" pitchFamily="34" charset="0"/>
+                <a:cs typeface="Arial" panose="020B0604020202020204" pitchFamily="34" charset="0"/>
+              </a:rPr>
+              <a:t>физике и ограничены </a:t>
+            </a:r>
+            <a:r>
+              <a:rPr lang="ru-RU" dirty="0">
+                <a:latin typeface="Arial" panose="020B0604020202020204" pitchFamily="34" charset="0"/>
+                <a:cs typeface="Arial" panose="020B0604020202020204" pitchFamily="34" charset="0"/>
+              </a:rPr>
+              <a:t>тем фактом, что система может быть только в одном состоянии. </a:t>
+            </a:r>
+          </a:p>
+        </p:txBody>
+      </p:sp>
+      <p:sp>
+        <p:nvSpPr>
+          <p:cNvPr id="7" name="Объект 6"/>
+          <p:cNvSpPr>
+            <a:spLocks noGrp="1"/>
+          </p:cNvSpPr>
+          <p:nvPr>
+            <p:ph sz="quarter" idx="4"/>
+          </p:nvPr>
+        </p:nvSpPr>
+        <p:spPr>
+          <a:xfrm>
+            <a:off x="6172200" y="1994329"/>
+            <a:ext cx="5183188" cy="4195334"/>
+          </a:xfrm>
+        </p:spPr>
+        <p:txBody>
+          <a:bodyPr>
+            <a:normAutofit/>
+          </a:bodyPr>
+          <a:lstStyle/>
+          <a:p>
+            <a:pPr marL="0" indent="0">
+              <a:buNone/>
+            </a:pPr>
+            <a:r>
+              <a:rPr lang="ru-RU" dirty="0" smtClean="0">
+                <a:latin typeface="Arial" panose="020B0604020202020204" pitchFamily="34" charset="0"/>
+                <a:cs typeface="Arial" panose="020B0604020202020204" pitchFamily="34" charset="0"/>
+              </a:rPr>
+              <a:t>Система может находится в суперпозиции нескольких различных состояний одновременно. </a:t>
+            </a:r>
+          </a:p>
+          <a:p>
+            <a:pPr marL="0" indent="0">
+              <a:buNone/>
+            </a:pPr>
+            <a:r>
+              <a:rPr lang="ru-RU" dirty="0" smtClean="0">
+                <a:latin typeface="Arial" panose="020B0604020202020204" pitchFamily="34" charset="0"/>
+                <a:cs typeface="Arial" panose="020B0604020202020204" pitchFamily="34" charset="0"/>
+              </a:rPr>
+              <a:t>Территориально разделенные квантовые системы могут быть переплетены друг с другом и благодаря этому, операции перестают быть локальными.</a:t>
+            </a:r>
+          </a:p>
+          <a:p>
+            <a:endParaRPr lang="ru-RU" dirty="0"/>
+          </a:p>
+        </p:txBody>
+      </p:sp>
+      <p:sp>
+        <p:nvSpPr>
+          <p:cNvPr id="8" name="Текст 4"/>
+          <p:cNvSpPr txBox="1">
+            <a:spLocks/>
+          </p:cNvSpPr>
+          <p:nvPr/>
+        </p:nvSpPr>
+        <p:spPr>
+          <a:xfrm>
+            <a:off x="6097588" y="1107057"/>
+            <a:ext cx="5157787" cy="531018"/>
+          </a:xfrm>
+          <a:prstGeom prst="rect">
+            <a:avLst/>
+          </a:prstGeom>
+        </p:spPr>
+        <p:txBody>
+          <a:bodyPr vert="horz" lIns="91440" tIns="45720" rIns="91440" bIns="45720" rtlCol="0" anchor="b">
+            <a:normAutofit/>
+          </a:bodyPr>
+          <a:lstStyle>
+            <a:lvl1pPr marL="0" indent="0" algn="l" defTabSz="914400" rtl="0" eaLnBrk="1" latinLnBrk="0" hangingPunct="1">
+              <a:lnSpc>
+                <a:spcPct val="90000"/>
+              </a:lnSpc>
+              <a:spcBef>
+                <a:spcPts val="1000"/>
+              </a:spcBef>
+              <a:buFont typeface="Arial" panose="020B0604020202020204" pitchFamily="34" charset="0"/>
+              <a:buNone/>
+              <a:defRPr sz="2400" b="1" kern="1200">
+                <a:solidFill>
+                  <a:schemeClr val="tx1"/>
+                </a:solidFill>
+                <a:latin typeface="+mn-lt"/>
+                <a:ea typeface="+mn-ea"/>
+                <a:cs typeface="+mn-cs"/>
+              </a:defRPr>
+            </a:lvl1pPr>
+            <a:lvl2pPr marL="457200" indent="0" algn="l" defTabSz="914400" rtl="0" eaLnBrk="1" latinLnBrk="0" hangingPunct="1">
+              <a:lnSpc>
+                <a:spcPct val="90000"/>
+              </a:lnSpc>
+              <a:spcBef>
+                <a:spcPts val="500"/>
+              </a:spcBef>
+              <a:buFont typeface="Arial" panose="020B0604020202020204" pitchFamily="34" charset="0"/>
+              <a:buNone/>
+              <a:defRPr sz="2000" b="1" kern="1200">
+                <a:solidFill>
+                  <a:schemeClr val="tx1"/>
+                </a:solidFill>
+                <a:latin typeface="+mn-lt"/>
+                <a:ea typeface="+mn-ea"/>
+                <a:cs typeface="+mn-cs"/>
+              </a:defRPr>
+            </a:lvl2pPr>
+            <a:lvl3pPr marL="914400" indent="0" algn="l" defTabSz="914400" rtl="0" eaLnBrk="1" latinLnBrk="0" hangingPunct="1">
+              <a:lnSpc>
+                <a:spcPct val="90000"/>
+              </a:lnSpc>
+              <a:spcBef>
+                <a:spcPts val="500"/>
+              </a:spcBef>
+              <a:buFont typeface="Arial" panose="020B0604020202020204" pitchFamily="34" charset="0"/>
+              <a:buNone/>
+              <a:defRPr sz="1800" b="1" kern="1200">
+                <a:solidFill>
+                  <a:schemeClr val="tx1"/>
+                </a:solidFill>
+                <a:latin typeface="+mn-lt"/>
+                <a:ea typeface="+mn-ea"/>
+                <a:cs typeface="+mn-cs"/>
+              </a:defRPr>
+            </a:lvl3pPr>
+            <a:lvl4pPr marL="1371600" indent="0" algn="l" defTabSz="914400" rtl="0" eaLnBrk="1" latinLnBrk="0" hangingPunct="1">
+              <a:lnSpc>
+                <a:spcPct val="90000"/>
+              </a:lnSpc>
+              <a:spcBef>
+                <a:spcPts val="500"/>
+              </a:spcBef>
+              <a:buFont typeface="Arial" panose="020B0604020202020204" pitchFamily="34" charset="0"/>
+              <a:buNone/>
+              <a:defRPr sz="1600" b="1" kern="1200">
+                <a:solidFill>
+                  <a:schemeClr val="tx1"/>
+                </a:solidFill>
+                <a:latin typeface="+mn-lt"/>
+                <a:ea typeface="+mn-ea"/>
+                <a:cs typeface="+mn-cs"/>
+              </a:defRPr>
+            </a:lvl4pPr>
+            <a:lvl5pPr marL="1828800" indent="0" algn="l" defTabSz="914400" rtl="0" eaLnBrk="1" latinLnBrk="0" hangingPunct="1">
+              <a:lnSpc>
+                <a:spcPct val="90000"/>
+              </a:lnSpc>
+              <a:spcBef>
+                <a:spcPts val="500"/>
+              </a:spcBef>
+              <a:buFont typeface="Arial" panose="020B0604020202020204" pitchFamily="34" charset="0"/>
+              <a:buNone/>
+              <a:defRPr sz="1600" b="1" kern="1200">
+                <a:solidFill>
+                  <a:schemeClr val="tx1"/>
+                </a:solidFill>
+                <a:latin typeface="+mn-lt"/>
+                <a:ea typeface="+mn-ea"/>
+                <a:cs typeface="+mn-cs"/>
+              </a:defRPr>
+            </a:lvl5pPr>
+            <a:lvl6pPr marL="2286000" indent="0" algn="l" defTabSz="914400" rtl="0" eaLnBrk="1" latinLnBrk="0" hangingPunct="1">
+              <a:lnSpc>
+                <a:spcPct val="90000"/>
+              </a:lnSpc>
+              <a:spcBef>
+                <a:spcPts val="500"/>
+              </a:spcBef>
+              <a:buFont typeface="Arial" panose="020B0604020202020204" pitchFamily="34" charset="0"/>
+              <a:buNone/>
+              <a:defRPr sz="1600" b="1" kern="1200">
+                <a:solidFill>
+                  <a:schemeClr val="tx1"/>
+                </a:solidFill>
+                <a:latin typeface="+mn-lt"/>
+                <a:ea typeface="+mn-ea"/>
+                <a:cs typeface="+mn-cs"/>
+              </a:defRPr>
+            </a:lvl6pPr>
+            <a:lvl7pPr marL="2743200" indent="0" algn="l" defTabSz="914400" rtl="0" eaLnBrk="1" latinLnBrk="0" hangingPunct="1">
+              <a:lnSpc>
+                <a:spcPct val="90000"/>
+              </a:lnSpc>
+              <a:spcBef>
+                <a:spcPts val="500"/>
+              </a:spcBef>
+              <a:buFont typeface="Arial" panose="020B0604020202020204" pitchFamily="34" charset="0"/>
+              <a:buNone/>
+              <a:defRPr sz="1600" b="1" kern="1200">
+                <a:solidFill>
+                  <a:schemeClr val="tx1"/>
+                </a:solidFill>
+                <a:latin typeface="+mn-lt"/>
+                <a:ea typeface="+mn-ea"/>
+                <a:cs typeface="+mn-cs"/>
+              </a:defRPr>
+            </a:lvl7pPr>
+            <a:lvl8pPr marL="3200400" indent="0" algn="l" defTabSz="914400" rtl="0" eaLnBrk="1" latinLnBrk="0" hangingPunct="1">
+              <a:lnSpc>
+                <a:spcPct val="90000"/>
+              </a:lnSpc>
+              <a:spcBef>
+                <a:spcPts val="500"/>
+              </a:spcBef>
+              <a:buFont typeface="Arial" panose="020B0604020202020204" pitchFamily="34" charset="0"/>
+              <a:buNone/>
+              <a:defRPr sz="1600" b="1" kern="1200">
+                <a:solidFill>
+                  <a:schemeClr val="tx1"/>
+                </a:solidFill>
+                <a:latin typeface="+mn-lt"/>
+                <a:ea typeface="+mn-ea"/>
+                <a:cs typeface="+mn-cs"/>
+              </a:defRPr>
+            </a:lvl8pPr>
+            <a:lvl9pPr marL="3657600" indent="0" algn="l" defTabSz="914400" rtl="0" eaLnBrk="1" latinLnBrk="0" hangingPunct="1">
+              <a:lnSpc>
+                <a:spcPct val="90000"/>
+              </a:lnSpc>
+              <a:spcBef>
+                <a:spcPts val="500"/>
+              </a:spcBef>
+              <a:buFont typeface="Arial" panose="020B0604020202020204" pitchFamily="34" charset="0"/>
+              <a:buNone/>
+              <a:defRPr sz="1600" b="1" kern="1200">
+                <a:solidFill>
+                  <a:schemeClr val="tx1"/>
+                </a:solidFill>
+                <a:latin typeface="+mn-lt"/>
+                <a:ea typeface="+mn-ea"/>
+                <a:cs typeface="+mn-cs"/>
+              </a:defRPr>
+            </a:lvl9pPr>
+          </a:lstStyle>
+          <a:p>
+            <a:r>
+              <a:rPr lang="ru-RU" sz="2800" dirty="0" smtClean="0">
+                <a:latin typeface="Arial" panose="020B0604020202020204" pitchFamily="34" charset="0"/>
+                <a:cs typeface="Arial" panose="020B0604020202020204" pitchFamily="34" charset="0"/>
+              </a:rPr>
+              <a:t>Квантовые компьютеры</a:t>
+            </a:r>
+            <a:r>
+              <a:rPr lang="ru-RU" dirty="0" smtClean="0"/>
+              <a:t>	</a:t>
+            </a:r>
+            <a:endParaRPr lang="ru-RU" dirty="0"/>
+          </a:p>
+        </p:txBody>
+      </p:sp>
+      <p:sp>
+        <p:nvSpPr>
+          <p:cNvPr id="2" name="Номер слайда 1"/>
+          <p:cNvSpPr>
+            <a:spLocks noGrp="1"/>
+          </p:cNvSpPr>
+          <p:nvPr>
+            <p:ph type="sldNum" sz="quarter" idx="12"/>
+          </p:nvPr>
+        </p:nvSpPr>
+        <p:spPr/>
+        <p:txBody>
+          <a:bodyPr/>
+          <a:lstStyle/>
+          <a:p>
+            <a:fld id="{ADDC721D-FED4-4080-8955-62676588A2D9}" type="slidenum">
+              <a:rPr lang="ru-RU" smtClean="0"/>
+              <a:t>2</a:t>
+            </a:fld>
+            <a:endParaRPr lang="ru-RU" dirty="0"/>
+          </a:p>
+        </p:txBody>
+      </p:sp>
+    </p:spTree>
+    <p:extLst>
+      <p:ext uri="{BB962C8B-B14F-4D97-AF65-F5344CB8AC3E}">
+        <p14:creationId xmlns:p14="http://schemas.microsoft.com/office/powerpoint/2010/main" val="1484002832"/>
+      </p:ext>
+    </p:extLst>
+  </p:cSld>
+  <p:clrMapOvr>
+    <a:masterClrMapping/>
+  </p:clrMapOvr>
+  <mc:AlternateContent xmlns:mc="http://schemas.openxmlformats.org/markup-compatibility/2006" xmlns:p14="http://schemas.microsoft.com/office/powerpoint/2010/main">
+    <mc:Choice Requires="p14">
+      <p:transition spd="slow" p14:dur="2000"/>
+    </mc:Choice>
+    <mc:Fallback xmlns="">
+      <p:transition spd="slow"/>
+    </mc:Fallback>
+  </mc:AlternateContent>
+  <p:timing>
+    <p:tnLst>
+      <p:par>
+        <p:cTn id="1" dur="indefinite" restart="never" nodeType="tmRoot"/>
+      </p:par>
+    </p:tnLst>
+  </p:timing>
+</p:sld>
+</file>
+
+<file path=ppt/slides/slide20.xml><?xml version="1.0" encoding="utf-8"?>
 <p:sld xmlns:a="http://schemas.openxmlformats.org/drawingml/2006/main" xmlns:r="http://schemas.openxmlformats.org/officeDocument/2006/relationships" xmlns:p="http://schemas.openxmlformats.org/presentationml/2006/main">
   <p:cSld>
     <p:spTree>
@@ -9528,7 +8343,7 @@
           <a:p>
             <a:fld id="{ADDC721D-FED4-4080-8955-62676588A2D9}" type="slidenum">
               <a:rPr lang="ru-RU" smtClean="0"/>
-              <a:t>24</a:t>
+              <a:t>20</a:t>
             </a:fld>
             <a:endParaRPr lang="ru-RU"/>
           </a:p>
@@ -9554,7 +8369,7 @@
 </p:sld>
 </file>
 
-<file path=ppt/slides/slide25.xml><?xml version="1.0" encoding="utf-8"?>
+<file path=ppt/slides/slide21.xml><?xml version="1.0" encoding="utf-8"?>
 <p:sld xmlns:a="http://schemas.openxmlformats.org/drawingml/2006/main" xmlns:r="http://schemas.openxmlformats.org/officeDocument/2006/relationships" xmlns:p="http://schemas.openxmlformats.org/presentationml/2006/main">
   <p:cSld>
     <p:spTree>
@@ -11065,7 +9880,7 @@
           <a:p>
             <a:fld id="{ADDC721D-FED4-4080-8955-62676588A2D9}" type="slidenum">
               <a:rPr lang="ru-RU" smtClean="0"/>
-              <a:t>25</a:t>
+              <a:t>21</a:t>
             </a:fld>
             <a:endParaRPr lang="ru-RU"/>
           </a:p>
@@ -11091,7 +9906,7 @@
 </p:sld>
 </file>
 
-<file path=ppt/slides/slide26.xml><?xml version="1.0" encoding="utf-8"?>
+<file path=ppt/slides/slide22.xml><?xml version="1.0" encoding="utf-8"?>
 <p:sld xmlns:a="http://schemas.openxmlformats.org/drawingml/2006/main" xmlns:r="http://schemas.openxmlformats.org/officeDocument/2006/relationships" xmlns:p="http://schemas.openxmlformats.org/presentationml/2006/main">
   <p:cSld>
     <p:spTree>
@@ -11470,7 +10285,7 @@
           <a:p>
             <a:fld id="{ADDC721D-FED4-4080-8955-62676588A2D9}" type="slidenum">
               <a:rPr lang="ru-RU" smtClean="0"/>
-              <a:t>26</a:t>
+              <a:t>22</a:t>
             </a:fld>
             <a:endParaRPr lang="ru-RU"/>
           </a:p>
@@ -11728,6 +10543,17 @@
               </a:rPr>
               <a:t>измерить</a:t>
             </a:r>
+            <a:r>
+              <a:rPr lang="en-US" dirty="0" smtClean="0">
+                <a:latin typeface="Arial" panose="020B0604020202020204" pitchFamily="34" charset="0"/>
+                <a:cs typeface="Arial" panose="020B0604020202020204" pitchFamily="34" charset="0"/>
+              </a:rPr>
+              <a:t>;</a:t>
+            </a:r>
+            <a:endParaRPr lang="ru-RU" dirty="0" smtClean="0">
+              <a:latin typeface="Arial" panose="020B0604020202020204" pitchFamily="34" charset="0"/>
+              <a:cs typeface="Arial" panose="020B0604020202020204" pitchFamily="34" charset="0"/>
+            </a:endParaRPr>
           </a:p>
           <a:p>
             <a:pPr algn="just"/>
@@ -12911,7 +11737,7 @@
 </file>
 
 <file path=ppt/slides/slide9.xml><?xml version="1.0" encoding="utf-8"?>
-<p:sld xmlns:a="http://schemas.openxmlformats.org/drawingml/2006/main" xmlns:r="http://schemas.openxmlformats.org/officeDocument/2006/relationships" xmlns:p="http://schemas.openxmlformats.org/presentationml/2006/main" show="0">
+<p:sld xmlns:a="http://schemas.openxmlformats.org/drawingml/2006/main" xmlns:r="http://schemas.openxmlformats.org/officeDocument/2006/relationships" xmlns:p="http://schemas.openxmlformats.org/presentationml/2006/main">
   <p:cSld>
     <p:spTree>
       <p:nvGrpSpPr>
@@ -12937,10 +11763,15 @@
             <p:ph type="title"/>
           </p:nvPr>
         </p:nvSpPr>
-        <p:spPr/>
+        <p:spPr>
+          <a:xfrm>
+            <a:off x="838199" y="0"/>
+            <a:ext cx="10515600" cy="1325563"/>
+          </a:xfrm>
+        </p:spPr>
         <p:txBody>
           <a:bodyPr>
-            <a:normAutofit/>
+            <a:noAutofit/>
           </a:bodyPr>
           <a:lstStyle/>
           <a:p>
@@ -12950,172 +11781,321 @@
                 <a:latin typeface="Arial" panose="020B0604020202020204" pitchFamily="34" charset="0"/>
                 <a:cs typeface="Arial" panose="020B0604020202020204" pitchFamily="34" charset="0"/>
               </a:rPr>
-              <a:t>Задачи работы</a:t>
-            </a:r>
-            <a:endParaRPr lang="ru-RU" sz="4000" dirty="0"/>
-          </a:p>
-        </p:txBody>
-      </p:sp>
-      <p:sp>
-        <p:nvSpPr>
-          <p:cNvPr id="3" name="Объект 2"/>
-          <p:cNvSpPr>
-            <a:spLocks noGrp="1"/>
-          </p:cNvSpPr>
-          <p:nvPr>
-            <p:ph idx="1"/>
-          </p:nvPr>
-        </p:nvSpPr>
-        <p:spPr/>
-        <p:txBody>
-          <a:bodyPr/>
-          <a:lstStyle/>
-          <a:p>
-            <a:pPr lvl="0"/>
-            <a:r>
-              <a:rPr lang="ru-RU" dirty="0">
-                <a:latin typeface="Arial" panose="020B0604020202020204" pitchFamily="34" charset="0"/>
-                <a:cs typeface="Arial" panose="020B0604020202020204" pitchFamily="34" charset="0"/>
-              </a:rPr>
-              <a:t>Алгоритм </a:t>
-            </a:r>
-            <a:r>
-              <a:rPr lang="ru-RU" dirty="0" err="1">
-                <a:latin typeface="Arial" panose="020B0604020202020204" pitchFamily="34" charset="0"/>
-                <a:cs typeface="Arial" panose="020B0604020202020204" pitchFamily="34" charset="0"/>
-              </a:rPr>
-              <a:t>Дейча-Джозы</a:t>
-            </a:r>
-            <a:r>
-              <a:rPr lang="ru-RU" dirty="0">
-                <a:latin typeface="Arial" panose="020B0604020202020204" pitchFamily="34" charset="0"/>
-                <a:cs typeface="Arial" panose="020B0604020202020204" pitchFamily="34" charset="0"/>
-              </a:rPr>
-              <a:t> для определения сбалансированности </a:t>
-            </a:r>
-            <a:r>
-              <a:rPr lang="ru-RU" dirty="0" smtClean="0">
-                <a:latin typeface="Arial" panose="020B0604020202020204" pitchFamily="34" charset="0"/>
-                <a:cs typeface="Arial" panose="020B0604020202020204" pitchFamily="34" charset="0"/>
-              </a:rPr>
-              <a:t>функции.</a:t>
-            </a:r>
-          </a:p>
-          <a:p>
-            <a:pPr lvl="0"/>
-            <a:r>
-              <a:rPr lang="ru-RU" dirty="0" smtClean="0">
-                <a:latin typeface="Arial" panose="020B0604020202020204" pitchFamily="34" charset="0"/>
-                <a:cs typeface="Arial" panose="020B0604020202020204" pitchFamily="34" charset="0"/>
-              </a:rPr>
-              <a:t>Алгоритм </a:t>
-            </a:r>
-            <a:r>
-              <a:rPr lang="ru-RU" dirty="0" err="1">
-                <a:latin typeface="Arial" panose="020B0604020202020204" pitchFamily="34" charset="0"/>
-                <a:cs typeface="Arial" panose="020B0604020202020204" pitchFamily="34" charset="0"/>
-              </a:rPr>
-              <a:t>Шора</a:t>
-            </a:r>
-            <a:r>
-              <a:rPr lang="ru-RU" dirty="0">
-                <a:latin typeface="Arial" panose="020B0604020202020204" pitchFamily="34" charset="0"/>
-                <a:cs typeface="Arial" panose="020B0604020202020204" pitchFamily="34" charset="0"/>
-              </a:rPr>
-              <a:t> для факторизации </a:t>
-            </a:r>
-            <a:r>
-              <a:rPr lang="ru-RU" dirty="0" smtClean="0">
-                <a:latin typeface="Arial" panose="020B0604020202020204" pitchFamily="34" charset="0"/>
-                <a:cs typeface="Arial" panose="020B0604020202020204" pitchFamily="34" charset="0"/>
-              </a:rPr>
-              <a:t>числа.</a:t>
-            </a:r>
-          </a:p>
-          <a:p>
-            <a:r>
-              <a:rPr lang="ru-RU" dirty="0">
-                <a:latin typeface="Arial" panose="020B0604020202020204" pitchFamily="34" charset="0"/>
-                <a:cs typeface="Arial" panose="020B0604020202020204" pitchFamily="34" charset="0"/>
-              </a:rPr>
-              <a:t>Алгоритм </a:t>
-            </a:r>
-            <a:r>
-              <a:rPr lang="ru-RU" dirty="0" err="1" smtClean="0">
-                <a:latin typeface="Arial" panose="020B0604020202020204" pitchFamily="34" charset="0"/>
-                <a:cs typeface="Arial" panose="020B0604020202020204" pitchFamily="34" charset="0"/>
-              </a:rPr>
-              <a:t>Гровера</a:t>
-            </a:r>
-            <a:r>
-              <a:rPr lang="ru-RU" dirty="0" smtClean="0">
-                <a:latin typeface="Arial" panose="020B0604020202020204" pitchFamily="34" charset="0"/>
-                <a:cs typeface="Arial" panose="020B0604020202020204" pitchFamily="34" charset="0"/>
-              </a:rPr>
-              <a:t> для поиска.</a:t>
-            </a:r>
-            <a:endParaRPr lang="ru-RU" dirty="0">
+              <a:t>Средства реализации</a:t>
+            </a:r>
+            <a:endParaRPr lang="ru-RU" sz="4000" dirty="0">
               <a:latin typeface="Arial" panose="020B0604020202020204" pitchFamily="34" charset="0"/>
               <a:cs typeface="Arial" panose="020B0604020202020204" pitchFamily="34" charset="0"/>
             </a:endParaRPr>
           </a:p>
-          <a:p>
-            <a:pPr lvl="0"/>
+        </p:txBody>
+      </p:sp>
+      <p:sp>
+        <p:nvSpPr>
+          <p:cNvPr id="3" name="Объект 2"/>
+          <p:cNvSpPr>
+            <a:spLocks noGrp="1"/>
+          </p:cNvSpPr>
+          <p:nvPr>
+            <p:ph idx="1"/>
+          </p:nvPr>
+        </p:nvSpPr>
+        <p:spPr>
+          <a:xfrm>
+            <a:off x="671511" y="1325563"/>
+            <a:ext cx="10848975" cy="4629150"/>
+          </a:xfrm>
+        </p:spPr>
+        <p:txBody>
+          <a:bodyPr>
+            <a:noAutofit/>
+          </a:bodyPr>
+          <a:lstStyle/>
+          <a:p>
+            <a:pPr marL="628650" indent="263525">
+              <a:lnSpc>
+                <a:spcPct val="150000"/>
+              </a:lnSpc>
+              <a:spcBef>
+                <a:spcPts val="0"/>
+              </a:spcBef>
+            </a:pPr>
             <a:r>
               <a:rPr lang="ru-RU" dirty="0" smtClean="0">
                 <a:latin typeface="Arial" panose="020B0604020202020204" pitchFamily="34" charset="0"/>
                 <a:cs typeface="Arial" panose="020B0604020202020204" pitchFamily="34" charset="0"/>
               </a:rPr>
-              <a:t>Квантовый алгоритм </a:t>
+              <a:t>ОС </a:t>
+            </a:r>
+            <a:r>
+              <a:rPr lang="en-US" dirty="0">
+                <a:latin typeface="Arial" panose="020B0604020202020204" pitchFamily="34" charset="0"/>
+                <a:cs typeface="Arial" panose="020B0604020202020204" pitchFamily="34" charset="0"/>
+              </a:rPr>
+              <a:t>Windows 10 Pro;</a:t>
+            </a:r>
+          </a:p>
+          <a:p>
+            <a:pPr marL="628650" indent="263525">
+              <a:lnSpc>
+                <a:spcPct val="150000"/>
+              </a:lnSpc>
+              <a:spcBef>
+                <a:spcPts val="0"/>
+              </a:spcBef>
+            </a:pPr>
+            <a:r>
+              <a:rPr lang="ru-RU" dirty="0" smtClean="0">
+                <a:latin typeface="Arial" panose="020B0604020202020204" pitchFamily="34" charset="0"/>
+                <a:cs typeface="Arial" panose="020B0604020202020204" pitchFamily="34" charset="0"/>
+              </a:rPr>
+              <a:t>универсальная </a:t>
             </a:r>
             <a:r>
               <a:rPr lang="ru-RU" dirty="0">
                 <a:latin typeface="Arial" panose="020B0604020202020204" pitchFamily="34" charset="0"/>
                 <a:cs typeface="Arial" panose="020B0604020202020204" pitchFamily="34" charset="0"/>
               </a:rPr>
-              <a:t>для систем линейных равенств </a:t>
-            </a:r>
+              <a:t>платформа разработки .</a:t>
+            </a:r>
+            <a:r>
+              <a:rPr lang="en-US" dirty="0">
+                <a:latin typeface="Arial" panose="020B0604020202020204" pitchFamily="34" charset="0"/>
+                <a:cs typeface="Arial" panose="020B0604020202020204" pitchFamily="34" charset="0"/>
+              </a:rPr>
+              <a:t>Net Core SDK 2.2;</a:t>
+            </a:r>
+          </a:p>
+          <a:p>
+            <a:pPr marL="628650" indent="263525">
+              <a:lnSpc>
+                <a:spcPct val="150000"/>
+              </a:lnSpc>
+              <a:spcBef>
+                <a:spcPts val="0"/>
+              </a:spcBef>
+            </a:pPr>
             <a:r>
               <a:rPr lang="ru-RU" dirty="0" smtClean="0">
                 <a:latin typeface="Arial" panose="020B0604020202020204" pitchFamily="34" charset="0"/>
                 <a:cs typeface="Arial" panose="020B0604020202020204" pitchFamily="34" charset="0"/>
               </a:rPr>
-              <a:t/>
-            </a:r>
-            <a:br>
+              <a:t>пакет </a:t>
+            </a:r>
+            <a:r>
+              <a:rPr lang="ru-RU" dirty="0">
+                <a:latin typeface="Arial" panose="020B0604020202020204" pitchFamily="34" charset="0"/>
+                <a:cs typeface="Arial" panose="020B0604020202020204" pitchFamily="34" charset="0"/>
+              </a:rPr>
+              <a:t>разработки </a:t>
+            </a:r>
+            <a:r>
+              <a:rPr lang="en-US" dirty="0">
+                <a:latin typeface="Arial" panose="020B0604020202020204" pitchFamily="34" charset="0"/>
+                <a:cs typeface="Arial" panose="020B0604020202020204" pitchFamily="34" charset="0"/>
+              </a:rPr>
+              <a:t>Microsoft Quantum Development Kit 0.6;</a:t>
+            </a:r>
+          </a:p>
+          <a:p>
+            <a:pPr marL="628650" indent="263525">
+              <a:lnSpc>
+                <a:spcPct val="150000"/>
+              </a:lnSpc>
+              <a:spcBef>
+                <a:spcPts val="0"/>
+              </a:spcBef>
+            </a:pPr>
+            <a:r>
               <a:rPr lang="ru-RU" dirty="0" smtClean="0">
                 <a:latin typeface="Arial" panose="020B0604020202020204" pitchFamily="34" charset="0"/>
                 <a:cs typeface="Arial" panose="020B0604020202020204" pitchFamily="34" charset="0"/>
               </a:rPr>
-            </a:br>
+              <a:t>редактор </a:t>
+            </a:r>
+            <a:r>
+              <a:rPr lang="ru-RU" dirty="0">
+                <a:latin typeface="Arial" panose="020B0604020202020204" pitchFamily="34" charset="0"/>
+                <a:cs typeface="Arial" panose="020B0604020202020204" pitchFamily="34" charset="0"/>
+              </a:rPr>
+              <a:t>исходного кода </a:t>
+            </a:r>
+            <a:r>
+              <a:rPr lang="en-US" dirty="0">
+                <a:latin typeface="Arial" panose="020B0604020202020204" pitchFamily="34" charset="0"/>
+                <a:cs typeface="Arial" panose="020B0604020202020204" pitchFamily="34" charset="0"/>
+              </a:rPr>
+              <a:t>Visual Studio Code 1.33;</a:t>
+            </a:r>
+          </a:p>
+          <a:p>
+            <a:pPr marL="628650" indent="263525">
+              <a:lnSpc>
+                <a:spcPct val="150000"/>
+              </a:lnSpc>
+              <a:spcBef>
+                <a:spcPts val="0"/>
+              </a:spcBef>
+            </a:pPr>
             <a:r>
               <a:rPr lang="ru-RU" dirty="0" smtClean="0">
                 <a:latin typeface="Arial" panose="020B0604020202020204" pitchFamily="34" charset="0"/>
                 <a:cs typeface="Arial" panose="020B0604020202020204" pitchFamily="34" charset="0"/>
               </a:rPr>
-              <a:t>(</a:t>
-            </a:r>
-            <a:r>
-              <a:rPr lang="ru-RU" dirty="0">
-                <a:latin typeface="Arial" panose="020B0604020202020204" pitchFamily="34" charset="0"/>
-                <a:cs typeface="Arial" panose="020B0604020202020204" pitchFamily="34" charset="0"/>
-              </a:rPr>
-              <a:t>Алгоритм ХХЛ</a:t>
-            </a:r>
+              <a:t>язык </a:t>
+            </a:r>
+            <a:r>
+              <a:rPr lang="en-US" dirty="0">
+                <a:latin typeface="Arial" panose="020B0604020202020204" pitchFamily="34" charset="0"/>
+                <a:cs typeface="Arial" panose="020B0604020202020204" pitchFamily="34" charset="0"/>
+              </a:rPr>
+              <a:t>C# 7.0;</a:t>
+            </a:r>
+          </a:p>
+          <a:p>
+            <a:pPr marL="628650" indent="263525">
+              <a:lnSpc>
+                <a:spcPct val="150000"/>
+              </a:lnSpc>
+              <a:spcBef>
+                <a:spcPts val="0"/>
+              </a:spcBef>
+            </a:pPr>
             <a:r>
               <a:rPr lang="ru-RU" dirty="0" smtClean="0">
                 <a:latin typeface="Arial" panose="020B0604020202020204" pitchFamily="34" charset="0"/>
                 <a:cs typeface="Arial" panose="020B0604020202020204" pitchFamily="34" charset="0"/>
               </a:rPr>
-              <a:t>).</a:t>
-            </a:r>
-            <a:endParaRPr lang="ru-RU" dirty="0">
+              <a:t>язык </a:t>
+            </a:r>
+            <a:r>
+              <a:rPr lang="en-US" dirty="0">
+                <a:latin typeface="Arial" panose="020B0604020202020204" pitchFamily="34" charset="0"/>
+                <a:cs typeface="Arial" panose="020B0604020202020204" pitchFamily="34" charset="0"/>
+              </a:rPr>
+              <a:t>Q#.</a:t>
+            </a:r>
+          </a:p>
+          <a:p>
+            <a:pPr marL="628650" indent="263525">
+              <a:lnSpc>
+                <a:spcPct val="150000"/>
+              </a:lnSpc>
+              <a:spcBef>
+                <a:spcPts val="0"/>
+              </a:spcBef>
+            </a:pPr>
+            <a:endParaRPr lang="ru-RU" sz="2200" dirty="0">
               <a:latin typeface="Arial" panose="020B0604020202020204" pitchFamily="34" charset="0"/>
               <a:cs typeface="Arial" panose="020B0604020202020204" pitchFamily="34" charset="0"/>
             </a:endParaRPr>
           </a:p>
           <a:p>
-            <a:endParaRPr lang="ru-RU" dirty="0"/>
+            <a:pPr marL="0" indent="628650" algn="just">
+              <a:lnSpc>
+                <a:spcPct val="150000"/>
+              </a:lnSpc>
+              <a:spcBef>
+                <a:spcPts val="0"/>
+              </a:spcBef>
+              <a:buNone/>
+            </a:pPr>
+            <a:endParaRPr lang="ru-RU" sz="3200" dirty="0">
+              <a:latin typeface="Arial" panose="020B0604020202020204" pitchFamily="34" charset="0"/>
+              <a:cs typeface="Arial" panose="020B0604020202020204" pitchFamily="34" charset="0"/>
+            </a:endParaRPr>
+          </a:p>
+          <a:p>
+            <a:pPr marL="0" indent="628650" algn="just">
+              <a:lnSpc>
+                <a:spcPct val="150000"/>
+              </a:lnSpc>
+              <a:spcBef>
+                <a:spcPts val="0"/>
+              </a:spcBef>
+              <a:buNone/>
+            </a:pPr>
+            <a:r>
+              <a:rPr lang="ru-RU" sz="2000" dirty="0" smtClean="0">
+                <a:latin typeface="+mj-lt"/>
+              </a:rPr>
+              <a:t>			</a:t>
+            </a:r>
+          </a:p>
+          <a:p>
+            <a:pPr marL="0" indent="628650" algn="just">
+              <a:lnSpc>
+                <a:spcPct val="150000"/>
+              </a:lnSpc>
+              <a:spcBef>
+                <a:spcPts val="0"/>
+              </a:spcBef>
+              <a:buNone/>
+            </a:pPr>
+            <a:r>
+              <a:rPr lang="ru-RU" sz="2000" dirty="0">
+                <a:latin typeface="+mj-lt"/>
+              </a:rPr>
+              <a:t> </a:t>
+            </a:r>
+            <a:r>
+              <a:rPr lang="ru-RU" sz="2000" dirty="0" smtClean="0">
+                <a:latin typeface="+mj-lt"/>
+              </a:rPr>
+              <a:t>    									                        </a:t>
+            </a:r>
+            <a:endParaRPr lang="ru-RU" sz="2000" dirty="0">
+              <a:latin typeface="+mj-lt"/>
+              <a:cs typeface="Arial" panose="020B0604020202020204" pitchFamily="34" charset="0"/>
+            </a:endParaRPr>
+          </a:p>
+          <a:p>
+            <a:pPr marL="0" indent="628650" algn="just">
+              <a:lnSpc>
+                <a:spcPct val="150000"/>
+              </a:lnSpc>
+              <a:spcBef>
+                <a:spcPts val="0"/>
+              </a:spcBef>
+              <a:buNone/>
+            </a:pPr>
+            <a:endParaRPr lang="ru-RU" sz="3200" dirty="0">
+              <a:latin typeface="Arial" panose="020B0604020202020204" pitchFamily="34" charset="0"/>
+              <a:cs typeface="Arial" panose="020B0604020202020204" pitchFamily="34" charset="0"/>
+            </a:endParaRPr>
+          </a:p>
+          <a:p>
+            <a:pPr marL="0" indent="628650" algn="just">
+              <a:lnSpc>
+                <a:spcPct val="150000"/>
+              </a:lnSpc>
+              <a:spcBef>
+                <a:spcPts val="0"/>
+              </a:spcBef>
+              <a:buNone/>
+            </a:pPr>
+            <a:endParaRPr lang="ru-RU" sz="3200" dirty="0">
+              <a:latin typeface="Arial" panose="020B0604020202020204" pitchFamily="34" charset="0"/>
+              <a:cs typeface="Arial" panose="020B0604020202020204" pitchFamily="34" charset="0"/>
+            </a:endParaRPr>
+          </a:p>
+          <a:p>
+            <a:pPr marL="0" indent="628650" algn="just">
+              <a:lnSpc>
+                <a:spcPct val="150000"/>
+              </a:lnSpc>
+              <a:spcBef>
+                <a:spcPts val="0"/>
+              </a:spcBef>
+              <a:buNone/>
+            </a:pPr>
+            <a:r>
+              <a:rPr lang="ru-RU" sz="3200" dirty="0">
+                <a:latin typeface="Arial" panose="020B0604020202020204" pitchFamily="34" charset="0"/>
+                <a:cs typeface="Arial" panose="020B0604020202020204" pitchFamily="34" charset="0"/>
+              </a:rPr>
+              <a:t>											        </a:t>
+            </a:r>
           </a:p>
         </p:txBody>
       </p:sp>
@@ -13145,21 +12125,13 @@
     </p:spTree>
     <p:extLst>
       <p:ext uri="{BB962C8B-B14F-4D97-AF65-F5344CB8AC3E}">
-        <p14:creationId xmlns:p14="http://schemas.microsoft.com/office/powerpoint/2010/main" val="2012407855"/>
+        <p14:creationId xmlns:p14="http://schemas.microsoft.com/office/powerpoint/2010/main" val="723238843"/>
       </p:ext>
     </p:extLst>
   </p:cSld>
   <p:clrMapOvr>
     <a:masterClrMapping/>
   </p:clrMapOvr>
-  <mc:AlternateContent xmlns:mc="http://schemas.openxmlformats.org/markup-compatibility/2006" xmlns:p14="http://schemas.microsoft.com/office/powerpoint/2010/main">
-    <mc:Choice Requires="p14">
-      <p:transition spd="slow" p14:dur="2000"/>
-    </mc:Choice>
-    <mc:Fallback xmlns="">
-      <p:transition spd="slow"/>
-    </mc:Fallback>
-  </mc:AlternateContent>
   <p:timing>
     <p:tnLst>
       <p:par>
@@ -13425,7 +12397,7 @@
   <a:extraClrSchemeLst/>
   <a:extLst>
     <a:ext uri="{05A4C25C-085E-4340-85A3-A5531E510DB2}">
-      <thm15:themeFamily xmlns="" xmlns:thm15="http://schemas.microsoft.com/office/thememl/2012/main" name="Office Theme" id="{62F939B6-93AF-4DB8-9C6B-D6C7DFDC589F}" vid="{4A3C46E8-61CC-4603-A589-7422A47A8E4A}"/>
+      <thm15:themeFamily xmlns:thm15="http://schemas.microsoft.com/office/thememl/2012/main" xmlns="" name="Office Theme" id="{62F939B6-93AF-4DB8-9C6B-D6C7DFDC589F}" vid="{4A3C46E8-61CC-4603-A589-7422A47A8E4A}"/>
     </a:ext>
   </a:extLst>
 </a:theme>
@@ -13686,7 +12658,7 @@
   <a:extraClrSchemeLst/>
   <a:extLst>
     <a:ext uri="{05A4C25C-085E-4340-85A3-A5531E510DB2}">
-      <thm15:themeFamily xmlns="" xmlns:thm15="http://schemas.microsoft.com/office/thememl/2012/main" name="Office Theme" id="{62F939B6-93AF-4DB8-9C6B-D6C7DFDC589F}" vid="{4A3C46E8-61CC-4603-A589-7422A47A8E4A}"/>
+      <thm15:themeFamily xmlns:thm15="http://schemas.microsoft.com/office/thememl/2012/main" xmlns="" name="Office Theme" id="{62F939B6-93AF-4DB8-9C6B-D6C7DFDC589F}" vid="{4A3C46E8-61CC-4603-A589-7422A47A8E4A}"/>
     </a:ext>
   </a:extLst>
 </a:theme>
